--- a/Lumous Eye.pptx
+++ b/Lumous Eye.pptx
@@ -20,14 +20,15 @@
     <p:sldId id="265" r:id="rId14"/>
     <p:sldId id="266" r:id="rId15"/>
     <p:sldId id="267" r:id="rId16"/>
+    <p:sldId id="268" r:id="rId17"/>
   </p:sldIdLst>
   <p:sldSz cy="6858000" cx="12192000"/>
   <p:notesSz cx="6858000" cy="9144000"/>
   <p:embeddedFontLst>
     <p:embeddedFont>
       <p:font typeface="Sorts Mill Goudy"/>
-      <p:regular r:id="rId17"/>
-      <p:italic r:id="rId18"/>
+      <p:regular r:id="rId18"/>
+      <p:italic r:id="rId19"/>
     </p:embeddedFont>
   </p:embeddedFontLst>
   <p:defaultTextStyle>
@@ -707,46 +708,7 @@
       </p:grpSpPr>
       <p:sp>
         <p:nvSpPr>
-          <p:cNvPr id="141" name="Google Shape;141;p1:notes"/>
-          <p:cNvSpPr txBox="1"/>
-          <p:nvPr>
-            <p:ph idx="1" type="body"/>
-          </p:nvPr>
-        </p:nvSpPr>
-        <p:spPr>
-          <a:xfrm>
-            <a:off x="685800" y="4343400"/>
-            <a:ext cx="5486400" cy="4114800"/>
-          </a:xfrm>
-          <a:prstGeom prst="rect">
-            <a:avLst/>
-          </a:prstGeom>
-        </p:spPr>
-        <p:txBody>
-          <a:bodyPr anchorCtr="0" anchor="t" bIns="91425" lIns="91425" spcFirstLastPara="1" rIns="91425" wrap="square" tIns="91425">
-            <a:noAutofit/>
-          </a:bodyPr>
-          <a:lstStyle/>
-          <a:p>
-            <a:pPr indent="0" lvl="0" marL="0" rtl="0" algn="l">
-              <a:spcBef>
-                <a:spcPts val="0"/>
-              </a:spcBef>
-              <a:spcAft>
-                <a:spcPts val="0"/>
-              </a:spcAft>
-              <a:buNone/>
-            </a:pPr>
-            <a:r>
-              <a:t/>
-            </a:r>
-            <a:endParaRPr/>
-          </a:p>
-        </p:txBody>
-      </p:sp>
-      <p:sp>
-        <p:nvSpPr>
-          <p:cNvPr id="142" name="Google Shape;142;p1:notes"/>
+          <p:cNvPr id="141" name="Google Shape;141;g3a5669d40c3_0_1:notes"/>
           <p:cNvSpPr/>
           <p:nvPr>
             <p:ph idx="2" type="sldImg"/>
@@ -755,7 +717,7 @@
         <p:spPr>
           <a:xfrm>
             <a:off x="1143225" y="685800"/>
-            <a:ext cx="4572225" cy="3429000"/>
+            <a:ext cx="4572300" cy="3429000"/>
           </a:xfrm>
           <a:custGeom>
             <a:rect b="b" l="l" r="r" t="t"/>
@@ -779,34 +741,9 @@
           </a:custGeom>
         </p:spPr>
       </p:sp>
-    </p:spTree>
-  </p:cSld>
-  <p:clrMapOvr>
-    <a:masterClrMapping/>
-  </p:clrMapOvr>
-</p:notes>
-</file>
-
-<file path=ppt/notesSlides/notesSlide10.xml><?xml version="1.0" encoding="utf-8"?>
-<p:notes xmlns:a="http://schemas.openxmlformats.org/drawingml/2006/main" xmlns:r="http://schemas.openxmlformats.org/officeDocument/2006/relationships" xmlns:mc="http://schemas.openxmlformats.org/markup-compatibility/2006" xmlns:mv="urn:schemas-microsoft-com:mac:vml" xmlns:p="http://schemas.openxmlformats.org/presentationml/2006/main" xmlns:c="http://schemas.openxmlformats.org/drawingml/2006/chart" xmlns:dgm="http://schemas.openxmlformats.org/drawingml/2006/diagram" xmlns:o="urn:schemas-microsoft-com:office:office" xmlns:v="urn:schemas-microsoft-com:vml" xmlns:pvml="urn:schemas-microsoft-com:office:powerpoint" xmlns:com="http://schemas.openxmlformats.org/drawingml/2006/compatibility" xmlns:p14="http://schemas.microsoft.com/office/powerpoint/2010/main" xmlns:p15="http://schemas.microsoft.com/office/powerpoint/2012/main" xmlns:ahyp="http://schemas.microsoft.com/office/drawing/2018/hyperlinkcolor" showMasterPhAnim="0" showMasterSp="0">
-  <p:cSld>
-    <p:spTree>
-      <p:nvGrpSpPr>
-        <p:cNvPr id="194" name="Shape 194"/>
-        <p:cNvGrpSpPr/>
-        <p:nvPr/>
-      </p:nvGrpSpPr>
-      <p:grpSpPr>
-        <a:xfrm>
-          <a:off x="0" y="0"/>
-          <a:ext cx="0" cy="0"/>
-          <a:chOff x="0" y="0"/>
-          <a:chExt cx="0" cy="0"/>
-        </a:xfrm>
-      </p:grpSpPr>
       <p:sp>
         <p:nvSpPr>
-          <p:cNvPr id="195" name="Google Shape;195;p10:notes"/>
+          <p:cNvPr id="142" name="Google Shape;142;g3a5669d40c3_0_1:notes"/>
           <p:cNvSpPr txBox="1"/>
           <p:nvPr>
             <p:ph idx="1" type="body"/>
@@ -843,9 +780,73 @@
           </a:p>
         </p:txBody>
       </p:sp>
+    </p:spTree>
+  </p:cSld>
+  <p:clrMapOvr>
+    <a:masterClrMapping/>
+  </p:clrMapOvr>
+</p:notes>
+</file>
+
+<file path=ppt/notesSlides/notesSlide10.xml><?xml version="1.0" encoding="utf-8"?>
+<p:notes xmlns:a="http://schemas.openxmlformats.org/drawingml/2006/main" xmlns:r="http://schemas.openxmlformats.org/officeDocument/2006/relationships" xmlns:mc="http://schemas.openxmlformats.org/markup-compatibility/2006" xmlns:mv="urn:schemas-microsoft-com:mac:vml" xmlns:p="http://schemas.openxmlformats.org/presentationml/2006/main" xmlns:c="http://schemas.openxmlformats.org/drawingml/2006/chart" xmlns:dgm="http://schemas.openxmlformats.org/drawingml/2006/diagram" xmlns:o="urn:schemas-microsoft-com:office:office" xmlns:v="urn:schemas-microsoft-com:vml" xmlns:pvml="urn:schemas-microsoft-com:office:powerpoint" xmlns:com="http://schemas.openxmlformats.org/drawingml/2006/compatibility" xmlns:p14="http://schemas.microsoft.com/office/powerpoint/2010/main" xmlns:p15="http://schemas.microsoft.com/office/powerpoint/2012/main" xmlns:ahyp="http://schemas.microsoft.com/office/drawing/2018/hyperlinkcolor" showMasterPhAnim="0" showMasterSp="0">
+  <p:cSld>
+    <p:spTree>
+      <p:nvGrpSpPr>
+        <p:cNvPr id="193" name="Shape 193"/>
+        <p:cNvGrpSpPr/>
+        <p:nvPr/>
+      </p:nvGrpSpPr>
+      <p:grpSpPr>
+        <a:xfrm>
+          <a:off x="0" y="0"/>
+          <a:ext cx="0" cy="0"/>
+          <a:chOff x="0" y="0"/>
+          <a:chExt cx="0" cy="0"/>
+        </a:xfrm>
+      </p:grpSpPr>
       <p:sp>
         <p:nvSpPr>
-          <p:cNvPr id="196" name="Google Shape;196;p10:notes"/>
+          <p:cNvPr id="194" name="Google Shape;194;p9:notes"/>
+          <p:cNvSpPr txBox="1"/>
+          <p:nvPr>
+            <p:ph idx="1" type="body"/>
+          </p:nvPr>
+        </p:nvSpPr>
+        <p:spPr>
+          <a:xfrm>
+            <a:off x="685800" y="4343400"/>
+            <a:ext cx="5486400" cy="4114800"/>
+          </a:xfrm>
+          <a:prstGeom prst="rect">
+            <a:avLst/>
+          </a:prstGeom>
+        </p:spPr>
+        <p:txBody>
+          <a:bodyPr anchorCtr="0" anchor="t" bIns="91425" lIns="91425" spcFirstLastPara="1" rIns="91425" wrap="square" tIns="91425">
+            <a:noAutofit/>
+          </a:bodyPr>
+          <a:lstStyle/>
+          <a:p>
+            <a:pPr indent="0" lvl="0" marL="0" rtl="0" algn="l">
+              <a:spcBef>
+                <a:spcPts val="0"/>
+              </a:spcBef>
+              <a:spcAft>
+                <a:spcPts val="0"/>
+              </a:spcAft>
+              <a:buNone/>
+            </a:pPr>
+            <a:r>
+              <a:t/>
+            </a:r>
+            <a:endParaRPr/>
+          </a:p>
+        </p:txBody>
+      </p:sp>
+      <p:sp>
+        <p:nvSpPr>
+          <p:cNvPr id="195" name="Google Shape;195;p9:notes"/>
           <p:cNvSpPr/>
           <p:nvPr>
             <p:ph idx="2" type="sldImg"/>
@@ -891,7 +892,7 @@
   <p:cSld>
     <p:spTree>
       <p:nvGrpSpPr>
-        <p:cNvPr id="200" name="Shape 200"/>
+        <p:cNvPr id="199" name="Shape 199"/>
         <p:cNvGrpSpPr/>
         <p:nvPr/>
       </p:nvGrpSpPr>
@@ -905,7 +906,7 @@
       </p:grpSpPr>
       <p:sp>
         <p:nvSpPr>
-          <p:cNvPr id="201" name="Google Shape;201;p11:notes"/>
+          <p:cNvPr id="200" name="Google Shape;200;p10:notes"/>
           <p:cNvSpPr txBox="1"/>
           <p:nvPr>
             <p:ph idx="1" type="body"/>
@@ -944,7 +945,7 @@
       </p:sp>
       <p:sp>
         <p:nvSpPr>
-          <p:cNvPr id="202" name="Google Shape;202;p11:notes"/>
+          <p:cNvPr id="201" name="Google Shape;201;p10:notes"/>
           <p:cNvSpPr/>
           <p:nvPr>
             <p:ph idx="2" type="sldImg"/>
@@ -990,7 +991,7 @@
   <p:cSld>
     <p:spTree>
       <p:nvGrpSpPr>
-        <p:cNvPr id="207" name="Shape 207"/>
+        <p:cNvPr id="205" name="Shape 205"/>
         <p:cNvGrpSpPr/>
         <p:nvPr/>
       </p:nvGrpSpPr>
@@ -1004,7 +1005,7 @@
       </p:grpSpPr>
       <p:sp>
         <p:nvSpPr>
-          <p:cNvPr id="208" name="Google Shape;208;p12:notes"/>
+          <p:cNvPr id="206" name="Google Shape;206;p11:notes"/>
           <p:cNvSpPr txBox="1"/>
           <p:nvPr>
             <p:ph idx="1" type="body"/>
@@ -1043,7 +1044,106 @@
       </p:sp>
       <p:sp>
         <p:nvSpPr>
-          <p:cNvPr id="209" name="Google Shape;209;p12:notes"/>
+          <p:cNvPr id="207" name="Google Shape;207;p11:notes"/>
+          <p:cNvSpPr/>
+          <p:nvPr>
+            <p:ph idx="2" type="sldImg"/>
+          </p:nvPr>
+        </p:nvSpPr>
+        <p:spPr>
+          <a:xfrm>
+            <a:off x="1143225" y="685800"/>
+            <a:ext cx="4572225" cy="3429000"/>
+          </a:xfrm>
+          <a:custGeom>
+            <a:rect b="b" l="l" r="r" t="t"/>
+            <a:pathLst>
+              <a:path extrusionOk="0" h="120000" w="120000">
+                <a:moveTo>
+                  <a:pt x="0" y="0"/>
+                </a:moveTo>
+                <a:lnTo>
+                  <a:pt x="120000" y="0"/>
+                </a:lnTo>
+                <a:lnTo>
+                  <a:pt x="120000" y="120000"/>
+                </a:lnTo>
+                <a:lnTo>
+                  <a:pt x="0" y="120000"/>
+                </a:lnTo>
+                <a:close/>
+              </a:path>
+            </a:pathLst>
+          </a:custGeom>
+        </p:spPr>
+      </p:sp>
+    </p:spTree>
+  </p:cSld>
+  <p:clrMapOvr>
+    <a:masterClrMapping/>
+  </p:clrMapOvr>
+</p:notes>
+</file>
+
+<file path=ppt/notesSlides/notesSlide13.xml><?xml version="1.0" encoding="utf-8"?>
+<p:notes xmlns:a="http://schemas.openxmlformats.org/drawingml/2006/main" xmlns:r="http://schemas.openxmlformats.org/officeDocument/2006/relationships" xmlns:mc="http://schemas.openxmlformats.org/markup-compatibility/2006" xmlns:mv="urn:schemas-microsoft-com:mac:vml" xmlns:p="http://schemas.openxmlformats.org/presentationml/2006/main" xmlns:c="http://schemas.openxmlformats.org/drawingml/2006/chart" xmlns:dgm="http://schemas.openxmlformats.org/drawingml/2006/diagram" xmlns:o="urn:schemas-microsoft-com:office:office" xmlns:v="urn:schemas-microsoft-com:vml" xmlns:pvml="urn:schemas-microsoft-com:office:powerpoint" xmlns:com="http://schemas.openxmlformats.org/drawingml/2006/compatibility" xmlns:p14="http://schemas.microsoft.com/office/powerpoint/2010/main" xmlns:p15="http://schemas.microsoft.com/office/powerpoint/2012/main" xmlns:ahyp="http://schemas.microsoft.com/office/drawing/2018/hyperlinkcolor" showMasterPhAnim="0" showMasterSp="0">
+  <p:cSld>
+    <p:spTree>
+      <p:nvGrpSpPr>
+        <p:cNvPr id="211" name="Shape 211"/>
+        <p:cNvGrpSpPr/>
+        <p:nvPr/>
+      </p:nvGrpSpPr>
+      <p:grpSpPr>
+        <a:xfrm>
+          <a:off x="0" y="0"/>
+          <a:ext cx="0" cy="0"/>
+          <a:chOff x="0" y="0"/>
+          <a:chExt cx="0" cy="0"/>
+        </a:xfrm>
+      </p:grpSpPr>
+      <p:sp>
+        <p:nvSpPr>
+          <p:cNvPr id="212" name="Google Shape;212;p12:notes"/>
+          <p:cNvSpPr txBox="1"/>
+          <p:nvPr>
+            <p:ph idx="1" type="body"/>
+          </p:nvPr>
+        </p:nvSpPr>
+        <p:spPr>
+          <a:xfrm>
+            <a:off x="685800" y="4343400"/>
+            <a:ext cx="5486400" cy="4114800"/>
+          </a:xfrm>
+          <a:prstGeom prst="rect">
+            <a:avLst/>
+          </a:prstGeom>
+        </p:spPr>
+        <p:txBody>
+          <a:bodyPr anchorCtr="0" anchor="t" bIns="91425" lIns="91425" spcFirstLastPara="1" rIns="91425" wrap="square" tIns="91425">
+            <a:noAutofit/>
+          </a:bodyPr>
+          <a:lstStyle/>
+          <a:p>
+            <a:pPr indent="0" lvl="0" marL="0" rtl="0" algn="l">
+              <a:spcBef>
+                <a:spcPts val="0"/>
+              </a:spcBef>
+              <a:spcAft>
+                <a:spcPts val="0"/>
+              </a:spcAft>
+              <a:buNone/>
+            </a:pPr>
+            <a:r>
+              <a:t/>
+            </a:r>
+            <a:endParaRPr/>
+          </a:p>
+        </p:txBody>
+      </p:sp>
+      <p:sp>
+        <p:nvSpPr>
+          <p:cNvPr id="213" name="Google Shape;213;p12:notes"/>
           <p:cNvSpPr/>
           <p:nvPr>
             <p:ph idx="2" type="sldImg"/>
@@ -1089,7 +1189,7 @@
   <p:cSld>
     <p:spTree>
       <p:nvGrpSpPr>
-        <p:cNvPr id="148" name="Shape 148"/>
+        <p:cNvPr id="145" name="Shape 145"/>
         <p:cNvGrpSpPr/>
         <p:nvPr/>
       </p:nvGrpSpPr>
@@ -1103,7 +1203,7 @@
       </p:grpSpPr>
       <p:sp>
         <p:nvSpPr>
-          <p:cNvPr id="149" name="Google Shape;149;p2:notes"/>
+          <p:cNvPr id="146" name="Google Shape;146;p1:notes"/>
           <p:cNvSpPr txBox="1"/>
           <p:nvPr>
             <p:ph idx="1" type="body"/>
@@ -1142,7 +1242,7 @@
       </p:sp>
       <p:sp>
         <p:nvSpPr>
-          <p:cNvPr id="150" name="Google Shape;150;p2:notes"/>
+          <p:cNvPr id="147" name="Google Shape;147;p1:notes"/>
           <p:cNvSpPr/>
           <p:nvPr>
             <p:ph idx="2" type="sldImg"/>
@@ -1202,7 +1302,7 @@
       </p:grpSpPr>
       <p:sp>
         <p:nvSpPr>
-          <p:cNvPr id="154" name="Google Shape;154;p3:notes"/>
+          <p:cNvPr id="154" name="Google Shape;154;p2:notes"/>
           <p:cNvSpPr txBox="1"/>
           <p:nvPr>
             <p:ph idx="1" type="body"/>
@@ -1241,7 +1341,7 @@
       </p:sp>
       <p:sp>
         <p:nvSpPr>
-          <p:cNvPr id="155" name="Google Shape;155;p3:notes"/>
+          <p:cNvPr id="155" name="Google Shape;155;p2:notes"/>
           <p:cNvSpPr/>
           <p:nvPr>
             <p:ph idx="2" type="sldImg"/>
@@ -1287,7 +1387,7 @@
   <p:cSld>
     <p:spTree>
       <p:nvGrpSpPr>
-        <p:cNvPr id="159" name="Shape 159"/>
+        <p:cNvPr id="158" name="Shape 158"/>
         <p:cNvGrpSpPr/>
         <p:nvPr/>
       </p:nvGrpSpPr>
@@ -1301,7 +1401,7 @@
       </p:grpSpPr>
       <p:sp>
         <p:nvSpPr>
-          <p:cNvPr id="160" name="Google Shape;160;p4:notes"/>
+          <p:cNvPr id="159" name="Google Shape;159;p3:notes"/>
           <p:cNvSpPr txBox="1"/>
           <p:nvPr>
             <p:ph idx="1" type="body"/>
@@ -1340,7 +1440,7 @@
       </p:sp>
       <p:sp>
         <p:nvSpPr>
-          <p:cNvPr id="161" name="Google Shape;161;p4:notes"/>
+          <p:cNvPr id="160" name="Google Shape;160;p3:notes"/>
           <p:cNvSpPr/>
           <p:nvPr>
             <p:ph idx="2" type="sldImg"/>
@@ -1386,7 +1486,7 @@
   <p:cSld>
     <p:spTree>
       <p:nvGrpSpPr>
-        <p:cNvPr id="165" name="Shape 165"/>
+        <p:cNvPr id="164" name="Shape 164"/>
         <p:cNvGrpSpPr/>
         <p:nvPr/>
       </p:nvGrpSpPr>
@@ -1400,7 +1500,7 @@
       </p:grpSpPr>
       <p:sp>
         <p:nvSpPr>
-          <p:cNvPr id="166" name="Google Shape;166;p5:notes"/>
+          <p:cNvPr id="165" name="Google Shape;165;p4:notes"/>
           <p:cNvSpPr txBox="1"/>
           <p:nvPr>
             <p:ph idx="1" type="body"/>
@@ -1439,7 +1539,7 @@
       </p:sp>
       <p:sp>
         <p:nvSpPr>
-          <p:cNvPr id="167" name="Google Shape;167;p5:notes"/>
+          <p:cNvPr id="166" name="Google Shape;166;p4:notes"/>
           <p:cNvSpPr/>
           <p:nvPr>
             <p:ph idx="2" type="sldImg"/>
@@ -1485,7 +1585,7 @@
   <p:cSld>
     <p:spTree>
       <p:nvGrpSpPr>
-        <p:cNvPr id="171" name="Shape 171"/>
+        <p:cNvPr id="170" name="Shape 170"/>
         <p:cNvGrpSpPr/>
         <p:nvPr/>
       </p:nvGrpSpPr>
@@ -1499,7 +1599,7 @@
       </p:grpSpPr>
       <p:sp>
         <p:nvSpPr>
-          <p:cNvPr id="172" name="Google Shape;172;p6:notes"/>
+          <p:cNvPr id="171" name="Google Shape;171;p5:notes"/>
           <p:cNvSpPr txBox="1"/>
           <p:nvPr>
             <p:ph idx="1" type="body"/>
@@ -1538,7 +1638,7 @@
       </p:sp>
       <p:sp>
         <p:nvSpPr>
-          <p:cNvPr id="173" name="Google Shape;173;p6:notes"/>
+          <p:cNvPr id="172" name="Google Shape;172;p5:notes"/>
           <p:cNvSpPr/>
           <p:nvPr>
             <p:ph idx="2" type="sldImg"/>
@@ -1584,7 +1684,7 @@
   <p:cSld>
     <p:spTree>
       <p:nvGrpSpPr>
-        <p:cNvPr id="177" name="Shape 177"/>
+        <p:cNvPr id="176" name="Shape 176"/>
         <p:cNvGrpSpPr/>
         <p:nvPr/>
       </p:nvGrpSpPr>
@@ -1598,7 +1698,7 @@
       </p:grpSpPr>
       <p:sp>
         <p:nvSpPr>
-          <p:cNvPr id="178" name="Google Shape;178;p7:notes"/>
+          <p:cNvPr id="177" name="Google Shape;177;p6:notes"/>
           <p:cNvSpPr txBox="1"/>
           <p:nvPr>
             <p:ph idx="1" type="body"/>
@@ -1637,7 +1737,7 @@
       </p:sp>
       <p:sp>
         <p:nvSpPr>
-          <p:cNvPr id="179" name="Google Shape;179;p7:notes"/>
+          <p:cNvPr id="178" name="Google Shape;178;p6:notes"/>
           <p:cNvSpPr/>
           <p:nvPr>
             <p:ph idx="2" type="sldImg"/>
@@ -1683,7 +1783,7 @@
   <p:cSld>
     <p:spTree>
       <p:nvGrpSpPr>
-        <p:cNvPr id="183" name="Shape 183"/>
+        <p:cNvPr id="182" name="Shape 182"/>
         <p:cNvGrpSpPr/>
         <p:nvPr/>
       </p:nvGrpSpPr>
@@ -1697,7 +1797,7 @@
       </p:grpSpPr>
       <p:sp>
         <p:nvSpPr>
-          <p:cNvPr id="184" name="Google Shape;184;p8:notes"/>
+          <p:cNvPr id="183" name="Google Shape;183;p7:notes"/>
           <p:cNvSpPr txBox="1"/>
           <p:nvPr>
             <p:ph idx="1" type="body"/>
@@ -1736,7 +1836,7 @@
       </p:sp>
       <p:sp>
         <p:nvSpPr>
-          <p:cNvPr id="185" name="Google Shape;185;p8:notes"/>
+          <p:cNvPr id="184" name="Google Shape;184;p7:notes"/>
           <p:cNvSpPr/>
           <p:nvPr>
             <p:ph idx="2" type="sldImg"/>
@@ -1796,7 +1896,7 @@
       </p:grpSpPr>
       <p:sp>
         <p:nvSpPr>
-          <p:cNvPr id="189" name="Google Shape;189;p9:notes"/>
+          <p:cNvPr id="189" name="Google Shape;189;p8:notes"/>
           <p:cNvSpPr txBox="1"/>
           <p:nvPr>
             <p:ph idx="1" type="body"/>
@@ -1835,7 +1935,7 @@
       </p:sp>
       <p:sp>
         <p:nvSpPr>
-          <p:cNvPr id="190" name="Google Shape;190;p9:notes"/>
+          <p:cNvPr id="190" name="Google Shape;190;p8:notes"/>
           <p:cNvSpPr/>
           <p:nvPr>
             <p:ph idx="2" type="sldImg"/>
@@ -17419,18 +17519,6 @@
 <file path=ppt/slides/slide1.xml><?xml version="1.0" encoding="utf-8"?>
 <p:sld xmlns:a="http://schemas.openxmlformats.org/drawingml/2006/main" xmlns:r="http://schemas.openxmlformats.org/officeDocument/2006/relationships" xmlns:mc="http://schemas.openxmlformats.org/markup-compatibility/2006" xmlns:mv="urn:schemas-microsoft-com:mac:vml" xmlns:p="http://schemas.openxmlformats.org/presentationml/2006/main" xmlns:c="http://schemas.openxmlformats.org/drawingml/2006/chart" xmlns:dgm="http://schemas.openxmlformats.org/drawingml/2006/diagram" xmlns:o="urn:schemas-microsoft-com:office:office" xmlns:v="urn:schemas-microsoft-com:vml" xmlns:pvml="urn:schemas-microsoft-com:office:powerpoint" xmlns:com="http://schemas.openxmlformats.org/drawingml/2006/compatibility" xmlns:p14="http://schemas.microsoft.com/office/powerpoint/2010/main" xmlns:p15="http://schemas.microsoft.com/office/powerpoint/2012/main" xmlns:ahyp="http://schemas.microsoft.com/office/drawing/2018/hyperlinkcolor">
   <p:cSld>
-    <p:bg>
-      <p:bgPr>
-        <a:blipFill>
-          <a:blip r:embed="rId3">
-            <a:alphaModFix/>
-          </a:blip>
-          <a:stretch>
-            <a:fillRect/>
-          </a:stretch>
-        </a:blipFill>
-      </p:bgPr>
-    </p:bg>
     <p:spTree>
       <p:nvGrpSpPr>
         <p:cNvPr id="143" name="Shape 143"/>
@@ -17448,6 +17536,1547 @@
       <p:sp>
         <p:nvSpPr>
           <p:cNvPr id="144" name="Google Shape;144;p19"/>
+          <p:cNvSpPr txBox="1"/>
+          <p:nvPr>
+            <p:ph type="title"/>
+          </p:nvPr>
+        </p:nvSpPr>
+        <p:spPr>
+          <a:xfrm>
+            <a:off x="913350" y="650275"/>
+            <a:ext cx="10365300" cy="5318700"/>
+          </a:xfrm>
+          <a:prstGeom prst="rect">
+            <a:avLst/>
+          </a:prstGeom>
+        </p:spPr>
+        <p:txBody>
+          <a:bodyPr anchorCtr="0" anchor="ctr" bIns="45700" lIns="91425" spcFirstLastPara="1" rIns="91425" wrap="square" tIns="45700">
+            <a:normAutofit fontScale="90000"/>
+          </a:bodyPr>
+          <a:lstStyle/>
+          <a:p>
+            <a:pPr indent="0" lvl="0" marL="0" rtl="0" algn="ctr">
+              <a:spcBef>
+                <a:spcPts val="0"/>
+              </a:spcBef>
+              <a:spcAft>
+                <a:spcPts val="0"/>
+              </a:spcAft>
+              <a:buNone/>
+            </a:pPr>
+            <a:r>
+              <a:rPr b="1" i="1" lang="en-US" sz="4300"/>
+              <a:t>Subject Name : </a:t>
+            </a:r>
+            <a:r>
+              <a:rPr b="1" i="1" lang="en-US" sz="4300"/>
+              <a:t>Embedded System</a:t>
+            </a:r>
+            <a:endParaRPr b="1" i="1" sz="4300"/>
+          </a:p>
+          <a:p>
+            <a:pPr indent="0" lvl="0" marL="0" rtl="0" algn="ctr">
+              <a:spcBef>
+                <a:spcPts val="0"/>
+              </a:spcBef>
+              <a:spcAft>
+                <a:spcPts val="0"/>
+              </a:spcAft>
+              <a:buNone/>
+            </a:pPr>
+            <a:r>
+              <a:t/>
+            </a:r>
+            <a:endParaRPr b="1" i="1" sz="4300"/>
+          </a:p>
+          <a:p>
+            <a:pPr indent="0" lvl="0" marL="0" rtl="0" algn="ctr">
+              <a:spcBef>
+                <a:spcPts val="0"/>
+              </a:spcBef>
+              <a:spcAft>
+                <a:spcPts val="0"/>
+              </a:spcAft>
+              <a:buNone/>
+            </a:pPr>
+            <a:r>
+              <a:rPr b="1" i="1" lang="en-US" sz="4300"/>
+              <a:t>Subject Code : CSN 15402</a:t>
+            </a:r>
+            <a:endParaRPr b="1" i="1" sz="4300"/>
+          </a:p>
+          <a:p>
+            <a:pPr indent="0" lvl="0" marL="0" rtl="0" algn="ctr">
+              <a:spcBef>
+                <a:spcPts val="0"/>
+              </a:spcBef>
+              <a:spcAft>
+                <a:spcPts val="0"/>
+              </a:spcAft>
+              <a:buNone/>
+            </a:pPr>
+            <a:r>
+              <a:t/>
+            </a:r>
+            <a:endParaRPr b="1" i="1" sz="4300"/>
+          </a:p>
+          <a:p>
+            <a:pPr indent="0" lvl="0" marL="0" rtl="0" algn="ctr">
+              <a:spcBef>
+                <a:spcPts val="0"/>
+              </a:spcBef>
+              <a:spcAft>
+                <a:spcPts val="0"/>
+              </a:spcAft>
+              <a:buNone/>
+            </a:pPr>
+            <a:r>
+              <a:rPr b="1" i="1" lang="en-US" sz="4300"/>
+              <a:t>Course </a:t>
+            </a:r>
+            <a:r>
+              <a:rPr b="1" i="1" lang="en-US" sz="4300"/>
+              <a:t>Coordinator</a:t>
+            </a:r>
+            <a:r>
+              <a:rPr b="1" i="1" lang="en-US" sz="4300"/>
+              <a:t> : Dr. Saugata Roy</a:t>
+            </a:r>
+            <a:endParaRPr b="1" i="1" sz="4300"/>
+          </a:p>
+          <a:p>
+            <a:pPr indent="0" lvl="0" marL="0" rtl="0" algn="ctr">
+              <a:spcBef>
+                <a:spcPts val="0"/>
+              </a:spcBef>
+              <a:spcAft>
+                <a:spcPts val="0"/>
+              </a:spcAft>
+              <a:buNone/>
+            </a:pPr>
+            <a:r>
+              <a:t/>
+            </a:r>
+            <a:endParaRPr b="1" i="1" sz="4300"/>
+          </a:p>
+          <a:p>
+            <a:pPr indent="0" lvl="0" marL="0" rtl="0" algn="ctr">
+              <a:spcBef>
+                <a:spcPts val="0"/>
+              </a:spcBef>
+              <a:spcAft>
+                <a:spcPts val="0"/>
+              </a:spcAft>
+              <a:buNone/>
+            </a:pPr>
+            <a:r>
+              <a:rPr b="1" i="1" lang="en-US" sz="4300"/>
+              <a:t>Group Leader : Khushi Chandra </a:t>
+            </a:r>
+            <a:endParaRPr b="1" i="1" sz="4300"/>
+          </a:p>
+          <a:p>
+            <a:pPr indent="0" lvl="0" marL="0" rtl="0" algn="ctr">
+              <a:spcBef>
+                <a:spcPts val="0"/>
+              </a:spcBef>
+              <a:spcAft>
+                <a:spcPts val="0"/>
+              </a:spcAft>
+              <a:buNone/>
+            </a:pPr>
+            <a:r>
+              <a:rPr b="1" i="1" lang="en-US" sz="4300"/>
+              <a:t>Reg. No. : 20233340</a:t>
+            </a:r>
+            <a:endParaRPr b="1" i="1" sz="4300"/>
+          </a:p>
+          <a:p>
+            <a:pPr indent="0" lvl="0" marL="0" rtl="0" algn="ctr">
+              <a:spcBef>
+                <a:spcPts val="0"/>
+              </a:spcBef>
+              <a:spcAft>
+                <a:spcPts val="0"/>
+              </a:spcAft>
+              <a:buNone/>
+            </a:pPr>
+            <a:r>
+              <a:t/>
+            </a:r>
+            <a:endParaRPr sz="4300"/>
+          </a:p>
+        </p:txBody>
+      </p:sp>
+    </p:spTree>
+  </p:cSld>
+  <p:clrMapOvr>
+    <a:masterClrMapping/>
+  </p:clrMapOvr>
+</p:sld>
+</file>
+
+<file path=ppt/slides/slide10.xml><?xml version="1.0" encoding="utf-8"?>
+<p:sld xmlns:a="http://schemas.openxmlformats.org/drawingml/2006/main" xmlns:r="http://schemas.openxmlformats.org/officeDocument/2006/relationships" xmlns:mc="http://schemas.openxmlformats.org/markup-compatibility/2006" xmlns:mv="urn:schemas-microsoft-com:mac:vml" xmlns:p="http://schemas.openxmlformats.org/presentationml/2006/main" xmlns:c="http://schemas.openxmlformats.org/drawingml/2006/chart" xmlns:dgm="http://schemas.openxmlformats.org/drawingml/2006/diagram" xmlns:o="urn:schemas-microsoft-com:office:office" xmlns:v="urn:schemas-microsoft-com:vml" xmlns:pvml="urn:schemas-microsoft-com:office:powerpoint" xmlns:com="http://schemas.openxmlformats.org/drawingml/2006/compatibility" xmlns:p14="http://schemas.microsoft.com/office/powerpoint/2010/main" xmlns:p15="http://schemas.microsoft.com/office/powerpoint/2012/main" xmlns:ahyp="http://schemas.microsoft.com/office/drawing/2018/hyperlinkcolor">
+  <p:cSld>
+    <p:spTree>
+      <p:nvGrpSpPr>
+        <p:cNvPr id="196" name="Shape 196"/>
+        <p:cNvGrpSpPr/>
+        <p:nvPr/>
+      </p:nvGrpSpPr>
+      <p:grpSpPr>
+        <a:xfrm>
+          <a:off x="0" y="0"/>
+          <a:ext cx="0" cy="0"/>
+          <a:chOff x="0" y="0"/>
+          <a:chExt cx="0" cy="0"/>
+        </a:xfrm>
+      </p:grpSpPr>
+      <p:sp>
+        <p:nvSpPr>
+          <p:cNvPr id="197" name="Google Shape;197;p28"/>
+          <p:cNvSpPr/>
+          <p:nvPr/>
+        </p:nvSpPr>
+        <p:spPr>
+          <a:xfrm>
+            <a:off x="3556018" y="214805"/>
+            <a:ext cx="4706738" cy="769441"/>
+          </a:xfrm>
+          <a:prstGeom prst="rect">
+            <a:avLst/>
+          </a:prstGeom>
+          <a:noFill/>
+          <a:ln>
+            <a:noFill/>
+          </a:ln>
+        </p:spPr>
+        <p:txBody>
+          <a:bodyPr anchorCtr="0" anchor="t" bIns="45700" lIns="91425" spcFirstLastPara="1" rIns="91425" wrap="square" tIns="45700">
+            <a:noAutofit/>
+          </a:bodyPr>
+          <a:lstStyle/>
+          <a:p>
+            <a:pPr indent="0" lvl="0" marL="0" marR="0" rtl="0" algn="ctr">
+              <a:spcBef>
+                <a:spcPts val="0"/>
+              </a:spcBef>
+              <a:spcAft>
+                <a:spcPts val="0"/>
+              </a:spcAft>
+              <a:buNone/>
+            </a:pPr>
+            <a:r>
+              <a:rPr lang="en-US" sz="4400">
+                <a:solidFill>
+                  <a:schemeClr val="lt1"/>
+                </a:solidFill>
+                <a:latin typeface="Sorts Mill Goudy"/>
+                <a:ea typeface="Sorts Mill Goudy"/>
+                <a:cs typeface="Sorts Mill Goudy"/>
+                <a:sym typeface="Sorts Mill Goudy"/>
+              </a:rPr>
+              <a:t>What We Achieved:</a:t>
+            </a:r>
+            <a:endParaRPr b="0" sz="4400" cap="none">
+              <a:solidFill>
+                <a:schemeClr val="lt1"/>
+              </a:solidFill>
+              <a:latin typeface="Sorts Mill Goudy"/>
+              <a:ea typeface="Sorts Mill Goudy"/>
+              <a:cs typeface="Sorts Mill Goudy"/>
+              <a:sym typeface="Sorts Mill Goudy"/>
+            </a:endParaRPr>
+          </a:p>
+        </p:txBody>
+      </p:sp>
+      <p:sp>
+        <p:nvSpPr>
+          <p:cNvPr id="198" name="Google Shape;198;p28"/>
+          <p:cNvSpPr/>
+          <p:nvPr/>
+        </p:nvSpPr>
+        <p:spPr>
+          <a:xfrm flipH="1">
+            <a:off x="1511559" y="1649685"/>
+            <a:ext cx="8291804" cy="2308324"/>
+          </a:xfrm>
+          <a:prstGeom prst="rect">
+            <a:avLst/>
+          </a:prstGeom>
+          <a:noFill/>
+          <a:ln>
+            <a:noFill/>
+          </a:ln>
+        </p:spPr>
+        <p:txBody>
+          <a:bodyPr anchorCtr="0" anchor="ctr" bIns="45700" lIns="91425" spcFirstLastPara="1" rIns="91425" wrap="square" tIns="45700">
+            <a:noAutofit/>
+          </a:bodyPr>
+          <a:lstStyle/>
+          <a:p>
+            <a:pPr indent="-152400" lvl="0" marL="0" marR="0" rtl="0" algn="ctr">
+              <a:lnSpc>
+                <a:spcPct val="100000"/>
+              </a:lnSpc>
+              <a:spcBef>
+                <a:spcPts val="0"/>
+              </a:spcBef>
+              <a:spcAft>
+                <a:spcPts val="0"/>
+              </a:spcAft>
+              <a:buClr>
+                <a:schemeClr val="lt1"/>
+              </a:buClr>
+              <a:buSzPts val="2400"/>
+              <a:buFont typeface="Arial"/>
+              <a:buChar char="•"/>
+            </a:pPr>
+            <a:r>
+              <a:rPr b="1" i="0" lang="en-US" sz="2400" u="none" cap="none" strike="noStrike">
+                <a:solidFill>
+                  <a:schemeClr val="lt1"/>
+                </a:solidFill>
+                <a:latin typeface="Arial"/>
+                <a:ea typeface="Arial"/>
+                <a:cs typeface="Arial"/>
+                <a:sym typeface="Arial"/>
+              </a:rPr>
+              <a:t>80–90% reduction</a:t>
+            </a:r>
+            <a:r>
+              <a:rPr b="0" i="0" lang="en-US" sz="2400" u="none" cap="none" strike="noStrike">
+                <a:solidFill>
+                  <a:schemeClr val="lt1"/>
+                </a:solidFill>
+                <a:latin typeface="Arial"/>
+                <a:ea typeface="Arial"/>
+                <a:cs typeface="Arial"/>
+                <a:sym typeface="Arial"/>
+              </a:rPr>
+              <a:t> in power usage</a:t>
+            </a:r>
+            <a:endParaRPr/>
+          </a:p>
+          <a:p>
+            <a:pPr indent="-152400" lvl="0" marL="0" marR="0" rtl="0" algn="ctr">
+              <a:lnSpc>
+                <a:spcPct val="100000"/>
+              </a:lnSpc>
+              <a:spcBef>
+                <a:spcPts val="0"/>
+              </a:spcBef>
+              <a:spcAft>
+                <a:spcPts val="0"/>
+              </a:spcAft>
+              <a:buClr>
+                <a:schemeClr val="lt1"/>
+              </a:buClr>
+              <a:buSzPts val="2400"/>
+              <a:buFont typeface="Arial"/>
+              <a:buChar char="•"/>
+            </a:pPr>
+            <a:r>
+              <a:rPr b="0" i="0" lang="en-US" sz="2400" u="none" cap="none" strike="noStrike">
+                <a:solidFill>
+                  <a:schemeClr val="lt1"/>
+                </a:solidFill>
+                <a:latin typeface="Arial"/>
+                <a:ea typeface="Arial"/>
+                <a:cs typeface="Arial"/>
+                <a:sym typeface="Arial"/>
+              </a:rPr>
+              <a:t>No light ON during day</a:t>
+            </a:r>
+            <a:endParaRPr/>
+          </a:p>
+          <a:p>
+            <a:pPr indent="-152400" lvl="0" marL="0" marR="0" rtl="0" algn="ctr">
+              <a:lnSpc>
+                <a:spcPct val="100000"/>
+              </a:lnSpc>
+              <a:spcBef>
+                <a:spcPts val="0"/>
+              </a:spcBef>
+              <a:spcAft>
+                <a:spcPts val="0"/>
+              </a:spcAft>
+              <a:buClr>
+                <a:schemeClr val="lt1"/>
+              </a:buClr>
+              <a:buSzPts val="2400"/>
+              <a:buFont typeface="Arial"/>
+              <a:buChar char="•"/>
+            </a:pPr>
+            <a:r>
+              <a:rPr b="0" i="0" lang="en-US" sz="2400" u="none" cap="none" strike="noStrike">
+                <a:solidFill>
+                  <a:schemeClr val="lt1"/>
+                </a:solidFill>
+                <a:latin typeface="Arial"/>
+                <a:ea typeface="Arial"/>
+                <a:cs typeface="Arial"/>
+                <a:sym typeface="Arial"/>
+              </a:rPr>
+              <a:t>Smooth ON/OFF lighting</a:t>
+            </a:r>
+            <a:endParaRPr/>
+          </a:p>
+          <a:p>
+            <a:pPr indent="-152400" lvl="0" marL="0" marR="0" rtl="0" algn="ctr">
+              <a:lnSpc>
+                <a:spcPct val="100000"/>
+              </a:lnSpc>
+              <a:spcBef>
+                <a:spcPts val="0"/>
+              </a:spcBef>
+              <a:spcAft>
+                <a:spcPts val="0"/>
+              </a:spcAft>
+              <a:buClr>
+                <a:schemeClr val="lt1"/>
+              </a:buClr>
+              <a:buSzPts val="2400"/>
+              <a:buFont typeface="Arial"/>
+              <a:buChar char="•"/>
+            </a:pPr>
+            <a:r>
+              <a:rPr b="0" i="0" lang="en-US" sz="2400" u="none" cap="none" strike="noStrike">
+                <a:solidFill>
+                  <a:schemeClr val="lt1"/>
+                </a:solidFill>
+                <a:latin typeface="Arial"/>
+                <a:ea typeface="Arial"/>
+                <a:cs typeface="Arial"/>
+                <a:sym typeface="Arial"/>
+              </a:rPr>
+              <a:t>Enhanced visibility in fog/rain/winter</a:t>
+            </a:r>
+            <a:endParaRPr/>
+          </a:p>
+          <a:p>
+            <a:pPr indent="-152400" lvl="0" marL="0" marR="0" rtl="0" algn="ctr">
+              <a:lnSpc>
+                <a:spcPct val="100000"/>
+              </a:lnSpc>
+              <a:spcBef>
+                <a:spcPts val="0"/>
+              </a:spcBef>
+              <a:spcAft>
+                <a:spcPts val="0"/>
+              </a:spcAft>
+              <a:buClr>
+                <a:schemeClr val="lt1"/>
+              </a:buClr>
+              <a:buSzPts val="2400"/>
+              <a:buFont typeface="Arial"/>
+              <a:buChar char="•"/>
+            </a:pPr>
+            <a:r>
+              <a:rPr b="0" i="0" lang="en-US" sz="2400" u="none" cap="none" strike="noStrike">
+                <a:solidFill>
+                  <a:schemeClr val="lt1"/>
+                </a:solidFill>
+                <a:latin typeface="Arial"/>
+                <a:ea typeface="Arial"/>
+                <a:cs typeface="Arial"/>
+                <a:sym typeface="Arial"/>
+              </a:rPr>
+              <a:t>Reliable multi-light control</a:t>
+            </a:r>
+            <a:endParaRPr/>
+          </a:p>
+          <a:p>
+            <a:pPr indent="-152400" lvl="0" marL="0" marR="0" rtl="0" algn="ctr">
+              <a:lnSpc>
+                <a:spcPct val="100000"/>
+              </a:lnSpc>
+              <a:spcBef>
+                <a:spcPts val="0"/>
+              </a:spcBef>
+              <a:spcAft>
+                <a:spcPts val="0"/>
+              </a:spcAft>
+              <a:buClr>
+                <a:schemeClr val="lt1"/>
+              </a:buClr>
+              <a:buSzPts val="2400"/>
+              <a:buFont typeface="Arial"/>
+              <a:buChar char="•"/>
+            </a:pPr>
+            <a:r>
+              <a:rPr b="0" i="0" lang="en-US" sz="2400" u="none" cap="none" strike="noStrike">
+                <a:solidFill>
+                  <a:schemeClr val="lt1"/>
+                </a:solidFill>
+                <a:latin typeface="Arial"/>
+                <a:ea typeface="Arial"/>
+                <a:cs typeface="Arial"/>
+                <a:sym typeface="Arial"/>
+              </a:rPr>
+              <a:t>Highly scalable and cheap to deploy</a:t>
+            </a:r>
+            <a:endParaRPr/>
+          </a:p>
+        </p:txBody>
+      </p:sp>
+    </p:spTree>
+  </p:cSld>
+  <p:clrMapOvr>
+    <a:masterClrMapping/>
+  </p:clrMapOvr>
+</p:sld>
+</file>
+
+<file path=ppt/slides/slide11.xml><?xml version="1.0" encoding="utf-8"?>
+<p:sld xmlns:a="http://schemas.openxmlformats.org/drawingml/2006/main" xmlns:r="http://schemas.openxmlformats.org/officeDocument/2006/relationships" xmlns:mc="http://schemas.openxmlformats.org/markup-compatibility/2006" xmlns:mv="urn:schemas-microsoft-com:mac:vml" xmlns:p="http://schemas.openxmlformats.org/presentationml/2006/main" xmlns:c="http://schemas.openxmlformats.org/drawingml/2006/chart" xmlns:dgm="http://schemas.openxmlformats.org/drawingml/2006/diagram" xmlns:o="urn:schemas-microsoft-com:office:office" xmlns:v="urn:schemas-microsoft-com:vml" xmlns:pvml="urn:schemas-microsoft-com:office:powerpoint" xmlns:com="http://schemas.openxmlformats.org/drawingml/2006/compatibility" xmlns:p14="http://schemas.microsoft.com/office/powerpoint/2010/main" xmlns:p15="http://schemas.microsoft.com/office/powerpoint/2012/main" xmlns:ahyp="http://schemas.microsoft.com/office/drawing/2018/hyperlinkcolor">
+  <p:cSld>
+    <p:spTree>
+      <p:nvGrpSpPr>
+        <p:cNvPr id="202" name="Shape 202"/>
+        <p:cNvGrpSpPr/>
+        <p:nvPr/>
+      </p:nvGrpSpPr>
+      <p:grpSpPr>
+        <a:xfrm>
+          <a:off x="0" y="0"/>
+          <a:ext cx="0" cy="0"/>
+          <a:chOff x="0" y="0"/>
+          <a:chExt cx="0" cy="0"/>
+        </a:xfrm>
+      </p:grpSpPr>
+      <p:sp>
+        <p:nvSpPr>
+          <p:cNvPr id="203" name="Google Shape;203;p29"/>
+          <p:cNvSpPr/>
+          <p:nvPr/>
+        </p:nvSpPr>
+        <p:spPr>
+          <a:xfrm>
+            <a:off x="3390104" y="214805"/>
+            <a:ext cx="5038560" cy="769441"/>
+          </a:xfrm>
+          <a:prstGeom prst="rect">
+            <a:avLst/>
+          </a:prstGeom>
+          <a:noFill/>
+          <a:ln>
+            <a:noFill/>
+          </a:ln>
+        </p:spPr>
+        <p:txBody>
+          <a:bodyPr anchorCtr="0" anchor="t" bIns="45700" lIns="91425" spcFirstLastPara="1" rIns="91425" wrap="square" tIns="45700">
+            <a:noAutofit/>
+          </a:bodyPr>
+          <a:lstStyle/>
+          <a:p>
+            <a:pPr indent="0" lvl="0" marL="0" marR="0" rtl="0" algn="ctr">
+              <a:spcBef>
+                <a:spcPts val="0"/>
+              </a:spcBef>
+              <a:spcAft>
+                <a:spcPts val="0"/>
+              </a:spcAft>
+              <a:buNone/>
+            </a:pPr>
+            <a:r>
+              <a:rPr lang="en-US" sz="4400">
+                <a:solidFill>
+                  <a:schemeClr val="lt1"/>
+                </a:solidFill>
+                <a:latin typeface="Sorts Mill Goudy"/>
+                <a:ea typeface="Sorts Mill Goudy"/>
+                <a:cs typeface="Sorts Mill Goudy"/>
+                <a:sym typeface="Sorts Mill Goudy"/>
+              </a:rPr>
+              <a:t>Future Improvements</a:t>
+            </a:r>
+            <a:endParaRPr b="0" sz="4400" cap="none">
+              <a:solidFill>
+                <a:schemeClr val="lt1"/>
+              </a:solidFill>
+              <a:latin typeface="Sorts Mill Goudy"/>
+              <a:ea typeface="Sorts Mill Goudy"/>
+              <a:cs typeface="Sorts Mill Goudy"/>
+              <a:sym typeface="Sorts Mill Goudy"/>
+            </a:endParaRPr>
+          </a:p>
+        </p:txBody>
+      </p:sp>
+      <p:sp>
+        <p:nvSpPr>
+          <p:cNvPr id="204" name="Google Shape;204;p29"/>
+          <p:cNvSpPr/>
+          <p:nvPr/>
+        </p:nvSpPr>
+        <p:spPr>
+          <a:xfrm flipH="1">
+            <a:off x="1511559" y="1618907"/>
+            <a:ext cx="8291804" cy="2369880"/>
+          </a:xfrm>
+          <a:prstGeom prst="rect">
+            <a:avLst/>
+          </a:prstGeom>
+          <a:noFill/>
+          <a:ln>
+            <a:noFill/>
+          </a:ln>
+        </p:spPr>
+        <p:txBody>
+          <a:bodyPr anchorCtr="0" anchor="ctr" bIns="45700" lIns="91425" spcFirstLastPara="1" rIns="91425" wrap="square" tIns="45700">
+            <a:noAutofit/>
+          </a:bodyPr>
+          <a:lstStyle/>
+          <a:p>
+            <a:pPr indent="0" lvl="0" marL="0" marR="0" rtl="0" algn="l">
+              <a:spcBef>
+                <a:spcPts val="0"/>
+              </a:spcBef>
+              <a:spcAft>
+                <a:spcPts val="0"/>
+              </a:spcAft>
+              <a:buNone/>
+            </a:pPr>
+            <a:r>
+              <a:rPr b="1" i="1" lang="en-US" sz="2800">
+                <a:solidFill>
+                  <a:schemeClr val="lt1"/>
+                </a:solidFill>
+                <a:latin typeface="Sorts Mill Goudy"/>
+                <a:ea typeface="Sorts Mill Goudy"/>
+                <a:cs typeface="Sorts Mill Goudy"/>
+                <a:sym typeface="Sorts Mill Goudy"/>
+              </a:rPr>
+              <a:t>Next Possible Upgrades:</a:t>
+            </a:r>
+            <a:endParaRPr/>
+          </a:p>
+          <a:p>
+            <a:pPr indent="-342900" lvl="0" marL="342900" marR="0" rtl="0" algn="l">
+              <a:spcBef>
+                <a:spcPts val="0"/>
+              </a:spcBef>
+              <a:spcAft>
+                <a:spcPts val="0"/>
+              </a:spcAft>
+              <a:buClr>
+                <a:schemeClr val="lt1"/>
+              </a:buClr>
+              <a:buSzPts val="2400"/>
+              <a:buFont typeface="Arial"/>
+              <a:buChar char="•"/>
+            </a:pPr>
+            <a:r>
+              <a:rPr lang="en-US" sz="2400">
+                <a:solidFill>
+                  <a:schemeClr val="lt1"/>
+                </a:solidFill>
+                <a:latin typeface="Sorts Mill Goudy"/>
+                <a:ea typeface="Sorts Mill Goudy"/>
+                <a:cs typeface="Sorts Mill Goudy"/>
+                <a:sym typeface="Sorts Mill Goudy"/>
+              </a:rPr>
+              <a:t>Solar-powered version</a:t>
+            </a:r>
+            <a:endParaRPr/>
+          </a:p>
+          <a:p>
+            <a:pPr indent="-342900" lvl="0" marL="342900" marR="0" rtl="0" algn="l">
+              <a:spcBef>
+                <a:spcPts val="0"/>
+              </a:spcBef>
+              <a:spcAft>
+                <a:spcPts val="0"/>
+              </a:spcAft>
+              <a:buClr>
+                <a:schemeClr val="lt1"/>
+              </a:buClr>
+              <a:buSzPts val="2400"/>
+              <a:buFont typeface="Arial"/>
+              <a:buChar char="•"/>
+            </a:pPr>
+            <a:r>
+              <a:rPr lang="en-US" sz="2400">
+                <a:solidFill>
+                  <a:schemeClr val="lt1"/>
+                </a:solidFill>
+                <a:latin typeface="Sorts Mill Goudy"/>
+                <a:ea typeface="Sorts Mill Goudy"/>
+                <a:cs typeface="Sorts Mill Goudy"/>
+                <a:sym typeface="Sorts Mill Goudy"/>
+              </a:rPr>
+              <a:t>Cloud connectivity (IoT dashboard)</a:t>
+            </a:r>
+            <a:endParaRPr/>
+          </a:p>
+          <a:p>
+            <a:pPr indent="-342900" lvl="0" marL="342900" marR="0" rtl="0" algn="l">
+              <a:spcBef>
+                <a:spcPts val="0"/>
+              </a:spcBef>
+              <a:spcAft>
+                <a:spcPts val="0"/>
+              </a:spcAft>
+              <a:buClr>
+                <a:schemeClr val="lt1"/>
+              </a:buClr>
+              <a:buSzPts val="2400"/>
+              <a:buFont typeface="Arial"/>
+              <a:buChar char="•"/>
+            </a:pPr>
+            <a:r>
+              <a:rPr lang="en-US" sz="2400">
+                <a:solidFill>
+                  <a:schemeClr val="lt1"/>
+                </a:solidFill>
+                <a:latin typeface="Sorts Mill Goudy"/>
+                <a:ea typeface="Sorts Mill Goudy"/>
+                <a:cs typeface="Sorts Mill Goudy"/>
+                <a:sym typeface="Sorts Mill Goudy"/>
+              </a:rPr>
+              <a:t>ML-based vehicle speed estimation</a:t>
+            </a:r>
+            <a:endParaRPr/>
+          </a:p>
+          <a:p>
+            <a:pPr indent="-342900" lvl="0" marL="342900" marR="0" rtl="0" algn="l">
+              <a:spcBef>
+                <a:spcPts val="0"/>
+              </a:spcBef>
+              <a:spcAft>
+                <a:spcPts val="0"/>
+              </a:spcAft>
+              <a:buClr>
+                <a:schemeClr val="lt1"/>
+              </a:buClr>
+              <a:buSzPts val="2400"/>
+              <a:buFont typeface="Arial"/>
+              <a:buChar char="•"/>
+            </a:pPr>
+            <a:r>
+              <a:rPr lang="en-US" sz="2400">
+                <a:solidFill>
+                  <a:schemeClr val="lt1"/>
+                </a:solidFill>
+                <a:latin typeface="Sorts Mill Goudy"/>
+                <a:ea typeface="Sorts Mill Goudy"/>
+                <a:cs typeface="Sorts Mill Goudy"/>
+                <a:sym typeface="Sorts Mill Goudy"/>
+              </a:rPr>
+              <a:t>Emergency flashing mode</a:t>
+            </a:r>
+            <a:endParaRPr/>
+          </a:p>
+          <a:p>
+            <a:pPr indent="-342900" lvl="0" marL="342900" marR="0" rtl="0" algn="l">
+              <a:spcBef>
+                <a:spcPts val="0"/>
+              </a:spcBef>
+              <a:spcAft>
+                <a:spcPts val="0"/>
+              </a:spcAft>
+              <a:buClr>
+                <a:schemeClr val="lt1"/>
+              </a:buClr>
+              <a:buSzPts val="2400"/>
+              <a:buFont typeface="Arial"/>
+              <a:buChar char="•"/>
+            </a:pPr>
+            <a:r>
+              <a:rPr lang="en-US" sz="2400">
+                <a:solidFill>
+                  <a:schemeClr val="lt1"/>
+                </a:solidFill>
+                <a:latin typeface="Sorts Mill Goudy"/>
+                <a:ea typeface="Sorts Mill Goudy"/>
+                <a:cs typeface="Sorts Mill Goudy"/>
+                <a:sym typeface="Sorts Mill Goudy"/>
+              </a:rPr>
+              <a:t>Automatic brightness/traffic-level scaling</a:t>
+            </a:r>
+            <a:endParaRPr/>
+          </a:p>
+        </p:txBody>
+      </p:sp>
+    </p:spTree>
+  </p:cSld>
+  <p:clrMapOvr>
+    <a:masterClrMapping/>
+  </p:clrMapOvr>
+</p:sld>
+</file>
+
+<file path=ppt/slides/slide12.xml><?xml version="1.0" encoding="utf-8"?>
+<p:sld xmlns:a="http://schemas.openxmlformats.org/drawingml/2006/main" xmlns:r="http://schemas.openxmlformats.org/officeDocument/2006/relationships" xmlns:mc="http://schemas.openxmlformats.org/markup-compatibility/2006" xmlns:mv="urn:schemas-microsoft-com:mac:vml" xmlns:p="http://schemas.openxmlformats.org/presentationml/2006/main" xmlns:c="http://schemas.openxmlformats.org/drawingml/2006/chart" xmlns:dgm="http://schemas.openxmlformats.org/drawingml/2006/diagram" xmlns:o="urn:schemas-microsoft-com:office:office" xmlns:v="urn:schemas-microsoft-com:vml" xmlns:pvml="urn:schemas-microsoft-com:office:powerpoint" xmlns:com="http://schemas.openxmlformats.org/drawingml/2006/compatibility" xmlns:p14="http://schemas.microsoft.com/office/powerpoint/2010/main" xmlns:p15="http://schemas.microsoft.com/office/powerpoint/2012/main" xmlns:ahyp="http://schemas.microsoft.com/office/drawing/2018/hyperlinkcolor">
+  <p:cSld>
+    <p:spTree>
+      <p:nvGrpSpPr>
+        <p:cNvPr id="208" name="Shape 208"/>
+        <p:cNvGrpSpPr/>
+        <p:nvPr/>
+      </p:nvGrpSpPr>
+      <p:grpSpPr>
+        <a:xfrm>
+          <a:off x="0" y="0"/>
+          <a:ext cx="0" cy="0"/>
+          <a:chOff x="0" y="0"/>
+          <a:chExt cx="0" cy="0"/>
+        </a:xfrm>
+      </p:grpSpPr>
+      <p:sp>
+        <p:nvSpPr>
+          <p:cNvPr id="209" name="Google Shape;209;p30"/>
+          <p:cNvSpPr/>
+          <p:nvPr/>
+        </p:nvSpPr>
+        <p:spPr>
+          <a:xfrm>
+            <a:off x="2062825" y="214800"/>
+            <a:ext cx="7725300" cy="769500"/>
+          </a:xfrm>
+          <a:prstGeom prst="rect">
+            <a:avLst/>
+          </a:prstGeom>
+          <a:noFill/>
+          <a:ln>
+            <a:noFill/>
+          </a:ln>
+        </p:spPr>
+        <p:txBody>
+          <a:bodyPr anchorCtr="0" anchor="t" bIns="45700" lIns="91425" spcFirstLastPara="1" rIns="91425" wrap="square" tIns="45700">
+            <a:noAutofit/>
+          </a:bodyPr>
+          <a:lstStyle/>
+          <a:p>
+            <a:pPr indent="0" lvl="0" marL="0" marR="0" rtl="0" algn="ctr">
+              <a:spcBef>
+                <a:spcPts val="0"/>
+              </a:spcBef>
+              <a:spcAft>
+                <a:spcPts val="0"/>
+              </a:spcAft>
+              <a:buNone/>
+            </a:pPr>
+            <a:r>
+              <a:rPr b="0" lang="en-US" sz="4400" cap="none">
+                <a:solidFill>
+                  <a:schemeClr val="lt1"/>
+                </a:solidFill>
+                <a:latin typeface="Sorts Mill Goudy"/>
+                <a:ea typeface="Sorts Mill Goudy"/>
+                <a:cs typeface="Sorts Mill Goudy"/>
+                <a:sym typeface="Sorts Mill Goudy"/>
+              </a:rPr>
+              <a:t>Important links</a:t>
+            </a:r>
+            <a:endParaRPr/>
+          </a:p>
+        </p:txBody>
+      </p:sp>
+      <p:sp>
+        <p:nvSpPr>
+          <p:cNvPr id="210" name="Google Shape;210;p30"/>
+          <p:cNvSpPr txBox="1"/>
+          <p:nvPr/>
+        </p:nvSpPr>
+        <p:spPr>
+          <a:xfrm>
+            <a:off x="1004675" y="2516550"/>
+            <a:ext cx="10423500" cy="2616600"/>
+          </a:xfrm>
+          <a:prstGeom prst="rect">
+            <a:avLst/>
+          </a:prstGeom>
+          <a:noFill/>
+          <a:ln>
+            <a:noFill/>
+          </a:ln>
+        </p:spPr>
+        <p:txBody>
+          <a:bodyPr anchorCtr="0" anchor="t" bIns="45700" lIns="91425" spcFirstLastPara="1" rIns="91425" wrap="square" tIns="45700">
+            <a:spAutoFit/>
+          </a:bodyPr>
+          <a:lstStyle/>
+          <a:p>
+            <a:pPr indent="0" lvl="0" marL="0" rtl="0" algn="l">
+              <a:spcBef>
+                <a:spcPts val="0"/>
+              </a:spcBef>
+              <a:spcAft>
+                <a:spcPts val="0"/>
+              </a:spcAft>
+              <a:buNone/>
+            </a:pPr>
+            <a:r>
+              <a:rPr lang="en-US" sz="2800">
+                <a:solidFill>
+                  <a:schemeClr val="lt1"/>
+                </a:solidFill>
+                <a:latin typeface="Sorts Mill Goudy"/>
+                <a:ea typeface="Sorts Mill Goudy"/>
+                <a:cs typeface="Sorts Mill Goudy"/>
+                <a:sym typeface="Sorts Mill Goudy"/>
+              </a:rPr>
+              <a:t>GitHub link: </a:t>
+            </a:r>
+            <a:endParaRPr sz="2800">
+              <a:solidFill>
+                <a:schemeClr val="lt1"/>
+              </a:solidFill>
+              <a:latin typeface="Sorts Mill Goudy"/>
+              <a:ea typeface="Sorts Mill Goudy"/>
+              <a:cs typeface="Sorts Mill Goudy"/>
+              <a:sym typeface="Sorts Mill Goudy"/>
+            </a:endParaRPr>
+          </a:p>
+          <a:p>
+            <a:pPr indent="0" lvl="0" marL="0" rtl="0" algn="l">
+              <a:spcBef>
+                <a:spcPts val="0"/>
+              </a:spcBef>
+              <a:spcAft>
+                <a:spcPts val="0"/>
+              </a:spcAft>
+              <a:buNone/>
+            </a:pPr>
+            <a:r>
+              <a:rPr lang="en-US" sz="2400" u="sng">
+                <a:solidFill>
+                  <a:schemeClr val="hlink"/>
+                </a:solidFill>
+                <a:latin typeface="Sorts Mill Goudy"/>
+                <a:ea typeface="Sorts Mill Goudy"/>
+                <a:cs typeface="Sorts Mill Goudy"/>
+                <a:sym typeface="Sorts Mill Goudy"/>
+                <a:hlinkClick r:id="rId3"/>
+              </a:rPr>
+              <a:t>https://github.com/Komalsingh7/Lumous_EyeGroupNo_9.git</a:t>
+            </a:r>
+            <a:endParaRPr sz="2400">
+              <a:solidFill>
+                <a:schemeClr val="lt1"/>
+              </a:solidFill>
+              <a:latin typeface="Sorts Mill Goudy"/>
+              <a:ea typeface="Sorts Mill Goudy"/>
+              <a:cs typeface="Sorts Mill Goudy"/>
+              <a:sym typeface="Sorts Mill Goudy"/>
+            </a:endParaRPr>
+          </a:p>
+          <a:p>
+            <a:pPr indent="0" lvl="0" marL="0" rtl="0" algn="l">
+              <a:spcBef>
+                <a:spcPts val="0"/>
+              </a:spcBef>
+              <a:spcAft>
+                <a:spcPts val="0"/>
+              </a:spcAft>
+              <a:buNone/>
+            </a:pPr>
+            <a:r>
+              <a:t/>
+            </a:r>
+            <a:endParaRPr sz="2400">
+              <a:solidFill>
+                <a:schemeClr val="lt1"/>
+              </a:solidFill>
+              <a:latin typeface="Sorts Mill Goudy"/>
+              <a:ea typeface="Sorts Mill Goudy"/>
+              <a:cs typeface="Sorts Mill Goudy"/>
+              <a:sym typeface="Sorts Mill Goudy"/>
+            </a:endParaRPr>
+          </a:p>
+          <a:p>
+            <a:pPr indent="0" lvl="0" marL="0" marR="0" rtl="0" algn="l">
+              <a:spcBef>
+                <a:spcPts val="0"/>
+              </a:spcBef>
+              <a:spcAft>
+                <a:spcPts val="0"/>
+              </a:spcAft>
+              <a:buNone/>
+            </a:pPr>
+            <a:r>
+              <a:rPr lang="en-US" sz="2800">
+                <a:solidFill>
+                  <a:schemeClr val="lt1"/>
+                </a:solidFill>
+                <a:latin typeface="Sorts Mill Goudy"/>
+                <a:ea typeface="Sorts Mill Goudy"/>
+                <a:cs typeface="Sorts Mill Goudy"/>
+                <a:sym typeface="Sorts Mill Goudy"/>
+              </a:rPr>
+              <a:t>Video link</a:t>
+            </a:r>
+            <a:r>
+              <a:rPr lang="en-US" sz="3200">
+                <a:solidFill>
+                  <a:schemeClr val="lt1"/>
+                </a:solidFill>
+                <a:latin typeface="Sorts Mill Goudy"/>
+                <a:ea typeface="Sorts Mill Goudy"/>
+                <a:cs typeface="Sorts Mill Goudy"/>
+                <a:sym typeface="Sorts Mill Goudy"/>
+              </a:rPr>
+              <a:t>: </a:t>
+            </a:r>
+            <a:r>
+              <a:rPr lang="en-US" sz="3200">
+                <a:solidFill>
+                  <a:schemeClr val="lt1"/>
+                </a:solidFill>
+                <a:latin typeface="Sorts Mill Goudy"/>
+                <a:ea typeface="Sorts Mill Goudy"/>
+                <a:cs typeface="Sorts Mill Goudy"/>
+                <a:sym typeface="Sorts Mill Goudy"/>
+              </a:rPr>
+              <a:t>https://www.youtube.com/watch?v=1hxaNWZarEw</a:t>
+            </a:r>
+            <a:r>
+              <a:rPr lang="en-US" sz="2400">
+                <a:solidFill>
+                  <a:schemeClr val="lt1"/>
+                </a:solidFill>
+                <a:latin typeface="Sorts Mill Goudy"/>
+                <a:ea typeface="Sorts Mill Goudy"/>
+                <a:cs typeface="Sorts Mill Goudy"/>
+                <a:sym typeface="Sorts Mill Goudy"/>
+              </a:rPr>
+              <a:t> </a:t>
+            </a:r>
+            <a:endParaRPr sz="2400">
+              <a:solidFill>
+                <a:schemeClr val="lt1"/>
+              </a:solidFill>
+              <a:latin typeface="Sorts Mill Goudy"/>
+              <a:ea typeface="Sorts Mill Goudy"/>
+              <a:cs typeface="Sorts Mill Goudy"/>
+              <a:sym typeface="Sorts Mill Goudy"/>
+            </a:endParaRPr>
+          </a:p>
+          <a:p>
+            <a:pPr indent="0" lvl="0" marL="0" marR="0" rtl="0" algn="l">
+              <a:spcBef>
+                <a:spcPts val="0"/>
+              </a:spcBef>
+              <a:spcAft>
+                <a:spcPts val="0"/>
+              </a:spcAft>
+              <a:buNone/>
+            </a:pPr>
+            <a:r>
+              <a:t/>
+            </a:r>
+            <a:endParaRPr sz="2400">
+              <a:solidFill>
+                <a:schemeClr val="lt1"/>
+              </a:solidFill>
+              <a:latin typeface="Sorts Mill Goudy"/>
+              <a:ea typeface="Sorts Mill Goudy"/>
+              <a:cs typeface="Sorts Mill Goudy"/>
+              <a:sym typeface="Sorts Mill Goudy"/>
+            </a:endParaRPr>
+          </a:p>
+        </p:txBody>
+      </p:sp>
+    </p:spTree>
+  </p:cSld>
+  <p:clrMapOvr>
+    <a:masterClrMapping/>
+  </p:clrMapOvr>
+</p:sld>
+</file>
+
+<file path=ppt/slides/slide13.xml><?xml version="1.0" encoding="utf-8"?>
+<p:sld xmlns:a="http://schemas.openxmlformats.org/drawingml/2006/main" xmlns:r="http://schemas.openxmlformats.org/officeDocument/2006/relationships" xmlns:mc="http://schemas.openxmlformats.org/markup-compatibility/2006" xmlns:mv="urn:schemas-microsoft-com:mac:vml" xmlns:p="http://schemas.openxmlformats.org/presentationml/2006/main" xmlns:c="http://schemas.openxmlformats.org/drawingml/2006/chart" xmlns:dgm="http://schemas.openxmlformats.org/drawingml/2006/diagram" xmlns:o="urn:schemas-microsoft-com:office:office" xmlns:v="urn:schemas-microsoft-com:vml" xmlns:pvml="urn:schemas-microsoft-com:office:powerpoint" xmlns:com="http://schemas.openxmlformats.org/drawingml/2006/compatibility" xmlns:p14="http://schemas.microsoft.com/office/powerpoint/2010/main" xmlns:p15="http://schemas.microsoft.com/office/powerpoint/2012/main" xmlns:ahyp="http://schemas.microsoft.com/office/drawing/2018/hyperlinkcolor">
+  <p:cSld>
+    <p:spTree>
+      <p:nvGrpSpPr>
+        <p:cNvPr id="214" name="Shape 214"/>
+        <p:cNvGrpSpPr/>
+        <p:nvPr/>
+      </p:nvGrpSpPr>
+      <p:grpSpPr>
+        <a:xfrm>
+          <a:off x="0" y="0"/>
+          <a:ext cx="0" cy="0"/>
+          <a:chOff x="0" y="0"/>
+          <a:chExt cx="0" cy="0"/>
+        </a:xfrm>
+      </p:grpSpPr>
+      <p:sp>
+        <p:nvSpPr>
+          <p:cNvPr id="215" name="Google Shape;215;p31"/>
+          <p:cNvSpPr/>
+          <p:nvPr/>
+        </p:nvSpPr>
+        <p:spPr>
+          <a:xfrm>
+            <a:off x="4078592" y="214805"/>
+            <a:ext cx="3661580" cy="1446550"/>
+          </a:xfrm>
+          <a:prstGeom prst="rect">
+            <a:avLst/>
+          </a:prstGeom>
+          <a:noFill/>
+          <a:ln>
+            <a:noFill/>
+          </a:ln>
+        </p:spPr>
+        <p:txBody>
+          <a:bodyPr anchorCtr="0" anchor="t" bIns="45700" lIns="91425" spcFirstLastPara="1" rIns="91425" wrap="square" tIns="45700">
+            <a:noAutofit/>
+          </a:bodyPr>
+          <a:lstStyle/>
+          <a:p>
+            <a:pPr indent="0" lvl="0" marL="0" marR="0" rtl="0" algn="ctr">
+              <a:spcBef>
+                <a:spcPts val="0"/>
+              </a:spcBef>
+              <a:spcAft>
+                <a:spcPts val="0"/>
+              </a:spcAft>
+              <a:buNone/>
+            </a:pPr>
+            <a:r>
+              <a:rPr b="0" lang="en-US" sz="4400" cap="none">
+                <a:solidFill>
+                  <a:schemeClr val="lt1"/>
+                </a:solidFill>
+                <a:latin typeface="Sorts Mill Goudy"/>
+                <a:ea typeface="Sorts Mill Goudy"/>
+                <a:cs typeface="Sorts Mill Goudy"/>
+                <a:sym typeface="Sorts Mill Goudy"/>
+              </a:rPr>
+              <a:t>Team Members</a:t>
+            </a:r>
+            <a:endParaRPr/>
+          </a:p>
+          <a:p>
+            <a:pPr indent="0" lvl="0" marL="0" marR="0" rtl="0" algn="ctr">
+              <a:spcBef>
+                <a:spcPts val="0"/>
+              </a:spcBef>
+              <a:spcAft>
+                <a:spcPts val="0"/>
+              </a:spcAft>
+              <a:buNone/>
+            </a:pPr>
+            <a:r>
+              <a:t/>
+            </a:r>
+            <a:endParaRPr b="0" sz="4400" cap="none">
+              <a:solidFill>
+                <a:schemeClr val="lt1"/>
+              </a:solidFill>
+              <a:latin typeface="Sorts Mill Goudy"/>
+              <a:ea typeface="Sorts Mill Goudy"/>
+              <a:cs typeface="Sorts Mill Goudy"/>
+              <a:sym typeface="Sorts Mill Goudy"/>
+            </a:endParaRPr>
+          </a:p>
+        </p:txBody>
+      </p:sp>
+      <p:sp>
+        <p:nvSpPr>
+          <p:cNvPr id="216" name="Google Shape;216;p31"/>
+          <p:cNvSpPr/>
+          <p:nvPr/>
+        </p:nvSpPr>
+        <p:spPr>
+          <a:xfrm flipH="1">
+            <a:off x="1511575" y="172350"/>
+            <a:ext cx="9808200" cy="5945700"/>
+          </a:xfrm>
+          <a:prstGeom prst="rect">
+            <a:avLst/>
+          </a:prstGeom>
+          <a:noFill/>
+          <a:ln>
+            <a:noFill/>
+          </a:ln>
+        </p:spPr>
+        <p:txBody>
+          <a:bodyPr anchorCtr="0" anchor="ctr" bIns="45700" lIns="91425" spcFirstLastPara="1" rIns="91425" wrap="square" tIns="45700">
+            <a:noAutofit/>
+          </a:bodyPr>
+          <a:lstStyle/>
+          <a:p>
+            <a:pPr indent="0" lvl="0" marL="0" marR="0" rtl="0" algn="l">
+              <a:spcBef>
+                <a:spcPts val="0"/>
+              </a:spcBef>
+              <a:spcAft>
+                <a:spcPts val="0"/>
+              </a:spcAft>
+              <a:buNone/>
+            </a:pPr>
+            <a:r>
+              <a:t/>
+            </a:r>
+            <a:endParaRPr sz="2400">
+              <a:solidFill>
+                <a:schemeClr val="lt1"/>
+              </a:solidFill>
+              <a:latin typeface="Sorts Mill Goudy"/>
+              <a:ea typeface="Sorts Mill Goudy"/>
+              <a:cs typeface="Sorts Mill Goudy"/>
+              <a:sym typeface="Sorts Mill Goudy"/>
+            </a:endParaRPr>
+          </a:p>
+          <a:p>
+            <a:pPr indent="0" lvl="0" marL="0" marR="0" rtl="0" algn="l">
+              <a:spcBef>
+                <a:spcPts val="0"/>
+              </a:spcBef>
+              <a:spcAft>
+                <a:spcPts val="0"/>
+              </a:spcAft>
+              <a:buNone/>
+            </a:pPr>
+            <a:r>
+              <a:t/>
+            </a:r>
+            <a:endParaRPr sz="2400">
+              <a:solidFill>
+                <a:schemeClr val="lt1"/>
+              </a:solidFill>
+              <a:latin typeface="Sorts Mill Goudy"/>
+              <a:ea typeface="Sorts Mill Goudy"/>
+              <a:cs typeface="Sorts Mill Goudy"/>
+              <a:sym typeface="Sorts Mill Goudy"/>
+            </a:endParaRPr>
+          </a:p>
+          <a:p>
+            <a:pPr indent="0" lvl="0" marL="0" marR="0" rtl="0" algn="l">
+              <a:spcBef>
+                <a:spcPts val="0"/>
+              </a:spcBef>
+              <a:spcAft>
+                <a:spcPts val="0"/>
+              </a:spcAft>
+              <a:buNone/>
+            </a:pPr>
+            <a:r>
+              <a:t/>
+            </a:r>
+            <a:endParaRPr sz="2400">
+              <a:solidFill>
+                <a:schemeClr val="lt1"/>
+              </a:solidFill>
+              <a:latin typeface="Sorts Mill Goudy"/>
+              <a:ea typeface="Sorts Mill Goudy"/>
+              <a:cs typeface="Sorts Mill Goudy"/>
+              <a:sym typeface="Sorts Mill Goudy"/>
+            </a:endParaRPr>
+          </a:p>
+          <a:p>
+            <a:pPr indent="0" lvl="0" marL="0" marR="0" rtl="0" algn="l">
+              <a:spcBef>
+                <a:spcPts val="0"/>
+              </a:spcBef>
+              <a:spcAft>
+                <a:spcPts val="0"/>
+              </a:spcAft>
+              <a:buNone/>
+            </a:pPr>
+            <a:r>
+              <a:rPr lang="en-US" sz="2400">
+                <a:solidFill>
+                  <a:schemeClr val="lt1"/>
+                </a:solidFill>
+                <a:latin typeface="Sorts Mill Goudy"/>
+                <a:ea typeface="Sorts Mill Goudy"/>
+                <a:cs typeface="Sorts Mill Goudy"/>
+                <a:sym typeface="Sorts Mill Goudy"/>
+              </a:rPr>
+              <a:t>1.Dona Banerjee (20233123)</a:t>
+            </a:r>
+            <a:endParaRPr/>
+          </a:p>
+          <a:p>
+            <a:pPr indent="0" lvl="0" marL="0" marR="0" rtl="0" algn="l">
+              <a:spcBef>
+                <a:spcPts val="0"/>
+              </a:spcBef>
+              <a:spcAft>
+                <a:spcPts val="0"/>
+              </a:spcAft>
+              <a:buNone/>
+            </a:pPr>
+            <a:r>
+              <a:rPr lang="en-US" sz="2400">
+                <a:solidFill>
+                  <a:schemeClr val="lt1"/>
+                </a:solidFill>
+                <a:latin typeface="Sorts Mill Goudy"/>
+                <a:ea typeface="Sorts Mill Goudy"/>
+                <a:cs typeface="Sorts Mill Goudy"/>
+                <a:sym typeface="Sorts Mill Goudy"/>
+              </a:rPr>
+              <a:t>2.Venkata Kavya Sri Gurram(20233133)</a:t>
+            </a:r>
+            <a:endParaRPr/>
+          </a:p>
+          <a:p>
+            <a:pPr indent="0" lvl="0" marL="0" marR="0" rtl="0" algn="l">
+              <a:spcBef>
+                <a:spcPts val="0"/>
+              </a:spcBef>
+              <a:spcAft>
+                <a:spcPts val="0"/>
+              </a:spcAft>
+              <a:buNone/>
+            </a:pPr>
+            <a:r>
+              <a:rPr lang="en-US" sz="2400">
+                <a:solidFill>
+                  <a:schemeClr val="lt1"/>
+                </a:solidFill>
+                <a:latin typeface="Sorts Mill Goudy"/>
+                <a:ea typeface="Sorts Mill Goudy"/>
+                <a:cs typeface="Sorts Mill Goudy"/>
+                <a:sym typeface="Sorts Mill Goudy"/>
+              </a:rPr>
+              <a:t>3.Heeramani Gowthami(20233143)</a:t>
+            </a:r>
+            <a:endParaRPr/>
+          </a:p>
+          <a:p>
+            <a:pPr indent="0" lvl="0" marL="0" marR="0" rtl="0" algn="l">
+              <a:spcBef>
+                <a:spcPts val="0"/>
+              </a:spcBef>
+              <a:spcAft>
+                <a:spcPts val="0"/>
+              </a:spcAft>
+              <a:buNone/>
+            </a:pPr>
+            <a:r>
+              <a:rPr lang="en-US" sz="2400">
+                <a:solidFill>
+                  <a:schemeClr val="lt1"/>
+                </a:solidFill>
+                <a:latin typeface="Sorts Mill Goudy"/>
+                <a:ea typeface="Sorts Mill Goudy"/>
+                <a:cs typeface="Sorts Mill Goudy"/>
+                <a:sym typeface="Sorts Mill Goudy"/>
+              </a:rPr>
+              <a:t>4.Jyotsana Verma(20233153)</a:t>
+            </a:r>
+            <a:endParaRPr/>
+          </a:p>
+          <a:p>
+            <a:pPr indent="0" lvl="0" marL="0" marR="0" rtl="0" algn="l">
+              <a:spcBef>
+                <a:spcPts val="0"/>
+              </a:spcBef>
+              <a:spcAft>
+                <a:spcPts val="0"/>
+              </a:spcAft>
+              <a:buNone/>
+            </a:pPr>
+            <a:r>
+              <a:rPr lang="en-US" sz="2400">
+                <a:solidFill>
+                  <a:schemeClr val="lt1"/>
+                </a:solidFill>
+                <a:latin typeface="Sorts Mill Goudy"/>
+                <a:ea typeface="Sorts Mill Goudy"/>
+                <a:cs typeface="Sorts Mill Goudy"/>
+                <a:sym typeface="Sorts Mill Goudy"/>
+              </a:rPr>
+              <a:t>5.Jyoti Meena(20233152)</a:t>
+            </a:r>
+            <a:endParaRPr/>
+          </a:p>
+          <a:p>
+            <a:pPr indent="0" lvl="0" marL="0" marR="0" rtl="0" algn="l">
+              <a:spcBef>
+                <a:spcPts val="0"/>
+              </a:spcBef>
+              <a:spcAft>
+                <a:spcPts val="0"/>
+              </a:spcAft>
+              <a:buNone/>
+            </a:pPr>
+            <a:r>
+              <a:rPr lang="en-US" sz="2400">
+                <a:solidFill>
+                  <a:schemeClr val="lt1"/>
+                </a:solidFill>
+                <a:latin typeface="Sorts Mill Goudy"/>
+                <a:ea typeface="Sorts Mill Goudy"/>
+                <a:cs typeface="Sorts Mill Goudy"/>
+                <a:sym typeface="Sorts Mill Goudy"/>
+              </a:rPr>
+              <a:t>6.Kesiya Wilson(20233528)</a:t>
+            </a:r>
+            <a:endParaRPr/>
+          </a:p>
+          <a:p>
+            <a:pPr indent="0" lvl="0" marL="0" marR="0" rtl="0" algn="l">
+              <a:spcBef>
+                <a:spcPts val="0"/>
+              </a:spcBef>
+              <a:spcAft>
+                <a:spcPts val="0"/>
+              </a:spcAft>
+              <a:buNone/>
+            </a:pPr>
+            <a:r>
+              <a:rPr lang="en-US" sz="2400">
+                <a:solidFill>
+                  <a:schemeClr val="lt1"/>
+                </a:solidFill>
+                <a:latin typeface="Sorts Mill Goudy"/>
+                <a:ea typeface="Sorts Mill Goudy"/>
+                <a:cs typeface="Sorts Mill Goudy"/>
+                <a:sym typeface="Sorts Mill Goudy"/>
+              </a:rPr>
+              <a:t>7.Khushi Chandra(20233340)</a:t>
+            </a:r>
+            <a:endParaRPr/>
+          </a:p>
+          <a:p>
+            <a:pPr indent="0" lvl="0" marL="0" marR="0" rtl="0" algn="l">
+              <a:spcBef>
+                <a:spcPts val="0"/>
+              </a:spcBef>
+              <a:spcAft>
+                <a:spcPts val="0"/>
+              </a:spcAft>
+              <a:buNone/>
+            </a:pPr>
+            <a:r>
+              <a:rPr lang="en-US" sz="2400">
+                <a:solidFill>
+                  <a:schemeClr val="lt1"/>
+                </a:solidFill>
+                <a:latin typeface="Sorts Mill Goudy"/>
+                <a:ea typeface="Sorts Mill Goudy"/>
+                <a:cs typeface="Sorts Mill Goudy"/>
+                <a:sym typeface="Sorts Mill Goudy"/>
+              </a:rPr>
+              <a:t>8.Khushi Choudhary(20233162)</a:t>
+            </a:r>
+            <a:endParaRPr/>
+          </a:p>
+          <a:p>
+            <a:pPr indent="0" lvl="0" marL="0" marR="0" rtl="0" algn="l">
+              <a:spcBef>
+                <a:spcPts val="0"/>
+              </a:spcBef>
+              <a:spcAft>
+                <a:spcPts val="0"/>
+              </a:spcAft>
+              <a:buNone/>
+            </a:pPr>
+            <a:r>
+              <a:rPr lang="en-US" sz="2400">
+                <a:solidFill>
+                  <a:schemeClr val="lt1"/>
+                </a:solidFill>
+                <a:latin typeface="Sorts Mill Goudy"/>
+                <a:ea typeface="Sorts Mill Goudy"/>
+                <a:cs typeface="Sorts Mill Goudy"/>
+                <a:sym typeface="Sorts Mill Goudy"/>
+              </a:rPr>
+              <a:t>9.Kirti Srivastava(20233163)</a:t>
+            </a:r>
+            <a:endParaRPr/>
+          </a:p>
+          <a:p>
+            <a:pPr indent="0" lvl="0" marL="0" marR="0" rtl="0" algn="l">
+              <a:spcBef>
+                <a:spcPts val="0"/>
+              </a:spcBef>
+              <a:spcAft>
+                <a:spcPts val="0"/>
+              </a:spcAft>
+              <a:buNone/>
+            </a:pPr>
+            <a:r>
+              <a:rPr lang="en-US" sz="2400">
+                <a:solidFill>
+                  <a:schemeClr val="lt1"/>
+                </a:solidFill>
+                <a:latin typeface="Sorts Mill Goudy"/>
+                <a:ea typeface="Sorts Mill Goudy"/>
+                <a:cs typeface="Sorts Mill Goudy"/>
+                <a:sym typeface="Sorts Mill Goudy"/>
+              </a:rPr>
+              <a:t>10.Komal Singh(20233164)</a:t>
+            </a:r>
+            <a:endParaRPr/>
+          </a:p>
+          <a:p>
+            <a:pPr indent="0" lvl="0" marL="0" marR="0" rtl="0" algn="l">
+              <a:spcBef>
+                <a:spcPts val="0"/>
+              </a:spcBef>
+              <a:spcAft>
+                <a:spcPts val="0"/>
+              </a:spcAft>
+              <a:buNone/>
+            </a:pPr>
+            <a:r>
+              <a:rPr lang="en-US" sz="2400">
+                <a:solidFill>
+                  <a:schemeClr val="lt1"/>
+                </a:solidFill>
+                <a:latin typeface="Sorts Mill Goudy"/>
+                <a:ea typeface="Sorts Mill Goudy"/>
+                <a:cs typeface="Sorts Mill Goudy"/>
+                <a:sym typeface="Sorts Mill Goudy"/>
+              </a:rPr>
+              <a:t>11.Kratika Srivas(20233167)</a:t>
+            </a:r>
+            <a:endParaRPr/>
+          </a:p>
+        </p:txBody>
+      </p:sp>
+    </p:spTree>
+  </p:cSld>
+  <p:clrMapOvr>
+    <a:masterClrMapping/>
+  </p:clrMapOvr>
+</p:sld>
+</file>
+
+<file path=ppt/slides/slide2.xml><?xml version="1.0" encoding="utf-8"?>
+<p:sld xmlns:a="http://schemas.openxmlformats.org/drawingml/2006/main" xmlns:r="http://schemas.openxmlformats.org/officeDocument/2006/relationships" xmlns:mc="http://schemas.openxmlformats.org/markup-compatibility/2006" xmlns:mv="urn:schemas-microsoft-com:mac:vml" xmlns:p="http://schemas.openxmlformats.org/presentationml/2006/main" xmlns:c="http://schemas.openxmlformats.org/drawingml/2006/chart" xmlns:dgm="http://schemas.openxmlformats.org/drawingml/2006/diagram" xmlns:o="urn:schemas-microsoft-com:office:office" xmlns:v="urn:schemas-microsoft-com:vml" xmlns:pvml="urn:schemas-microsoft-com:office:powerpoint" xmlns:com="http://schemas.openxmlformats.org/drawingml/2006/compatibility" xmlns:p14="http://schemas.microsoft.com/office/powerpoint/2010/main" xmlns:p15="http://schemas.microsoft.com/office/powerpoint/2012/main" xmlns:ahyp="http://schemas.microsoft.com/office/drawing/2018/hyperlinkcolor">
+  <p:cSld>
+    <p:bg>
+      <p:bgPr>
+        <a:blipFill>
+          <a:blip r:embed="rId3">
+            <a:alphaModFix/>
+          </a:blip>
+          <a:stretch>
+            <a:fillRect/>
+          </a:stretch>
+        </a:blipFill>
+      </p:bgPr>
+    </p:bg>
+    <p:spTree>
+      <p:nvGrpSpPr>
+        <p:cNvPr id="148" name="Shape 148"/>
+        <p:cNvGrpSpPr/>
+        <p:nvPr/>
+      </p:nvGrpSpPr>
+      <p:grpSpPr>
+        <a:xfrm>
+          <a:off x="0" y="0"/>
+          <a:ext cx="0" cy="0"/>
+          <a:chOff x="0" y="0"/>
+          <a:chExt cx="0" cy="0"/>
+        </a:xfrm>
+      </p:grpSpPr>
+      <p:sp>
+        <p:nvSpPr>
+          <p:cNvPr id="149" name="Google Shape;149;p20"/>
           <p:cNvSpPr txBox="1"/>
           <p:nvPr>
             <p:ph type="title"/>
@@ -17509,7 +19138,7 @@
       </p:sp>
       <p:sp>
         <p:nvSpPr>
-          <p:cNvPr id="145" name="Google Shape;145;p19"/>
+          <p:cNvPr id="150" name="Google Shape;150;p20"/>
           <p:cNvSpPr/>
           <p:nvPr/>
         </p:nvSpPr>
@@ -17558,7 +19187,7 @@
       </p:sp>
       <p:sp>
         <p:nvSpPr>
-          <p:cNvPr id="146" name="Google Shape;146;p19"/>
+          <p:cNvPr id="151" name="Google Shape;151;p20"/>
           <p:cNvSpPr/>
           <p:nvPr/>
         </p:nvSpPr>
@@ -17616,7 +19245,7 @@
       </p:sp>
       <p:pic>
         <p:nvPicPr>
-          <p:cNvPr descr="AUTOMATIC STREET LIGHT – blog" id="147" name="Google Shape;147;p19"/>
+          <p:cNvPr descr="AUTOMATIC STREET LIGHT – blog" id="152" name="Google Shape;152;p20"/>
           <p:cNvPicPr preferRelativeResize="0"/>
           <p:nvPr/>
         </p:nvPicPr>
@@ -17649,12 +19278,12 @@
 </p:sld>
 </file>
 
-<file path=ppt/slides/slide10.xml><?xml version="1.0" encoding="utf-8"?>
+<file path=ppt/slides/slide3.xml><?xml version="1.0" encoding="utf-8"?>
 <p:sld xmlns:a="http://schemas.openxmlformats.org/drawingml/2006/main" xmlns:r="http://schemas.openxmlformats.org/officeDocument/2006/relationships" xmlns:mc="http://schemas.openxmlformats.org/markup-compatibility/2006" xmlns:mv="urn:schemas-microsoft-com:mac:vml" xmlns:p="http://schemas.openxmlformats.org/presentationml/2006/main" xmlns:c="http://schemas.openxmlformats.org/drawingml/2006/chart" xmlns:dgm="http://schemas.openxmlformats.org/drawingml/2006/diagram" xmlns:o="urn:schemas-microsoft-com:office:office" xmlns:v="urn:schemas-microsoft-com:vml" xmlns:pvml="urn:schemas-microsoft-com:office:powerpoint" xmlns:com="http://schemas.openxmlformats.org/drawingml/2006/compatibility" xmlns:p14="http://schemas.microsoft.com/office/powerpoint/2010/main" xmlns:p15="http://schemas.microsoft.com/office/powerpoint/2012/main" xmlns:ahyp="http://schemas.microsoft.com/office/drawing/2018/hyperlinkcolor">
   <p:cSld>
     <p:spTree>
       <p:nvGrpSpPr>
-        <p:cNvPr id="197" name="Shape 197"/>
+        <p:cNvPr id="156" name="Shape 156"/>
         <p:cNvGrpSpPr/>
         <p:nvPr/>
       </p:nvGrpSpPr>
@@ -17668,981 +19297,7 @@
       </p:grpSpPr>
       <p:sp>
         <p:nvSpPr>
-          <p:cNvPr id="198" name="Google Shape;198;p28"/>
-          <p:cNvSpPr/>
-          <p:nvPr/>
-        </p:nvSpPr>
-        <p:spPr>
-          <a:xfrm>
-            <a:off x="3390104" y="214805"/>
-            <a:ext cx="5038560" cy="769441"/>
-          </a:xfrm>
-          <a:prstGeom prst="rect">
-            <a:avLst/>
-          </a:prstGeom>
-          <a:noFill/>
-          <a:ln>
-            <a:noFill/>
-          </a:ln>
-        </p:spPr>
-        <p:txBody>
-          <a:bodyPr anchorCtr="0" anchor="t" bIns="45700" lIns="91425" spcFirstLastPara="1" rIns="91425" wrap="square" tIns="45700">
-            <a:noAutofit/>
-          </a:bodyPr>
-          <a:lstStyle/>
-          <a:p>
-            <a:pPr indent="0" lvl="0" marL="0" marR="0" rtl="0" algn="ctr">
-              <a:spcBef>
-                <a:spcPts val="0"/>
-              </a:spcBef>
-              <a:spcAft>
-                <a:spcPts val="0"/>
-              </a:spcAft>
-              <a:buNone/>
-            </a:pPr>
-            <a:r>
-              <a:rPr lang="en-US" sz="4400">
-                <a:solidFill>
-                  <a:schemeClr val="lt1"/>
-                </a:solidFill>
-                <a:latin typeface="Sorts Mill Goudy"/>
-                <a:ea typeface="Sorts Mill Goudy"/>
-                <a:cs typeface="Sorts Mill Goudy"/>
-                <a:sym typeface="Sorts Mill Goudy"/>
-              </a:rPr>
-              <a:t>Future Improvements</a:t>
-            </a:r>
-            <a:endParaRPr b="0" sz="4400" cap="none">
-              <a:solidFill>
-                <a:schemeClr val="lt1"/>
-              </a:solidFill>
-              <a:latin typeface="Sorts Mill Goudy"/>
-              <a:ea typeface="Sorts Mill Goudy"/>
-              <a:cs typeface="Sorts Mill Goudy"/>
-              <a:sym typeface="Sorts Mill Goudy"/>
-            </a:endParaRPr>
-          </a:p>
-        </p:txBody>
-      </p:sp>
-      <p:sp>
-        <p:nvSpPr>
-          <p:cNvPr id="199" name="Google Shape;199;p28"/>
-          <p:cNvSpPr/>
-          <p:nvPr/>
-        </p:nvSpPr>
-        <p:spPr>
-          <a:xfrm flipH="1">
-            <a:off x="1511559" y="1618907"/>
-            <a:ext cx="8291804" cy="2369880"/>
-          </a:xfrm>
-          <a:prstGeom prst="rect">
-            <a:avLst/>
-          </a:prstGeom>
-          <a:noFill/>
-          <a:ln>
-            <a:noFill/>
-          </a:ln>
-        </p:spPr>
-        <p:txBody>
-          <a:bodyPr anchorCtr="0" anchor="ctr" bIns="45700" lIns="91425" spcFirstLastPara="1" rIns="91425" wrap="square" tIns="45700">
-            <a:noAutofit/>
-          </a:bodyPr>
-          <a:lstStyle/>
-          <a:p>
-            <a:pPr indent="0" lvl="0" marL="0" marR="0" rtl="0" algn="l">
-              <a:spcBef>
-                <a:spcPts val="0"/>
-              </a:spcBef>
-              <a:spcAft>
-                <a:spcPts val="0"/>
-              </a:spcAft>
-              <a:buNone/>
-            </a:pPr>
-            <a:r>
-              <a:rPr b="1" i="1" lang="en-US" sz="2800">
-                <a:solidFill>
-                  <a:schemeClr val="lt1"/>
-                </a:solidFill>
-                <a:latin typeface="Sorts Mill Goudy"/>
-                <a:ea typeface="Sorts Mill Goudy"/>
-                <a:cs typeface="Sorts Mill Goudy"/>
-                <a:sym typeface="Sorts Mill Goudy"/>
-              </a:rPr>
-              <a:t>Next Possible Upgrades:</a:t>
-            </a:r>
-            <a:endParaRPr/>
-          </a:p>
-          <a:p>
-            <a:pPr indent="-342900" lvl="0" marL="342900" marR="0" rtl="0" algn="l">
-              <a:spcBef>
-                <a:spcPts val="0"/>
-              </a:spcBef>
-              <a:spcAft>
-                <a:spcPts val="0"/>
-              </a:spcAft>
-              <a:buClr>
-                <a:schemeClr val="lt1"/>
-              </a:buClr>
-              <a:buSzPts val="2400"/>
-              <a:buFont typeface="Arial"/>
-              <a:buChar char="•"/>
-            </a:pPr>
-            <a:r>
-              <a:rPr lang="en-US" sz="2400">
-                <a:solidFill>
-                  <a:schemeClr val="lt1"/>
-                </a:solidFill>
-                <a:latin typeface="Sorts Mill Goudy"/>
-                <a:ea typeface="Sorts Mill Goudy"/>
-                <a:cs typeface="Sorts Mill Goudy"/>
-                <a:sym typeface="Sorts Mill Goudy"/>
-              </a:rPr>
-              <a:t>Solar-powered version</a:t>
-            </a:r>
-            <a:endParaRPr/>
-          </a:p>
-          <a:p>
-            <a:pPr indent="-342900" lvl="0" marL="342900" marR="0" rtl="0" algn="l">
-              <a:spcBef>
-                <a:spcPts val="0"/>
-              </a:spcBef>
-              <a:spcAft>
-                <a:spcPts val="0"/>
-              </a:spcAft>
-              <a:buClr>
-                <a:schemeClr val="lt1"/>
-              </a:buClr>
-              <a:buSzPts val="2400"/>
-              <a:buFont typeface="Arial"/>
-              <a:buChar char="•"/>
-            </a:pPr>
-            <a:r>
-              <a:rPr lang="en-US" sz="2400">
-                <a:solidFill>
-                  <a:schemeClr val="lt1"/>
-                </a:solidFill>
-                <a:latin typeface="Sorts Mill Goudy"/>
-                <a:ea typeface="Sorts Mill Goudy"/>
-                <a:cs typeface="Sorts Mill Goudy"/>
-                <a:sym typeface="Sorts Mill Goudy"/>
-              </a:rPr>
-              <a:t>Cloud connectivity (IoT dashboard)</a:t>
-            </a:r>
-            <a:endParaRPr/>
-          </a:p>
-          <a:p>
-            <a:pPr indent="-342900" lvl="0" marL="342900" marR="0" rtl="0" algn="l">
-              <a:spcBef>
-                <a:spcPts val="0"/>
-              </a:spcBef>
-              <a:spcAft>
-                <a:spcPts val="0"/>
-              </a:spcAft>
-              <a:buClr>
-                <a:schemeClr val="lt1"/>
-              </a:buClr>
-              <a:buSzPts val="2400"/>
-              <a:buFont typeface="Arial"/>
-              <a:buChar char="•"/>
-            </a:pPr>
-            <a:r>
-              <a:rPr lang="en-US" sz="2400">
-                <a:solidFill>
-                  <a:schemeClr val="lt1"/>
-                </a:solidFill>
-                <a:latin typeface="Sorts Mill Goudy"/>
-                <a:ea typeface="Sorts Mill Goudy"/>
-                <a:cs typeface="Sorts Mill Goudy"/>
-                <a:sym typeface="Sorts Mill Goudy"/>
-              </a:rPr>
-              <a:t>ML-based vehicle speed estimation</a:t>
-            </a:r>
-            <a:endParaRPr/>
-          </a:p>
-          <a:p>
-            <a:pPr indent="-342900" lvl="0" marL="342900" marR="0" rtl="0" algn="l">
-              <a:spcBef>
-                <a:spcPts val="0"/>
-              </a:spcBef>
-              <a:spcAft>
-                <a:spcPts val="0"/>
-              </a:spcAft>
-              <a:buClr>
-                <a:schemeClr val="lt1"/>
-              </a:buClr>
-              <a:buSzPts val="2400"/>
-              <a:buFont typeface="Arial"/>
-              <a:buChar char="•"/>
-            </a:pPr>
-            <a:r>
-              <a:rPr lang="en-US" sz="2400">
-                <a:solidFill>
-                  <a:schemeClr val="lt1"/>
-                </a:solidFill>
-                <a:latin typeface="Sorts Mill Goudy"/>
-                <a:ea typeface="Sorts Mill Goudy"/>
-                <a:cs typeface="Sorts Mill Goudy"/>
-                <a:sym typeface="Sorts Mill Goudy"/>
-              </a:rPr>
-              <a:t>Emergency flashing mode</a:t>
-            </a:r>
-            <a:endParaRPr/>
-          </a:p>
-          <a:p>
-            <a:pPr indent="-342900" lvl="0" marL="342900" marR="0" rtl="0" algn="l">
-              <a:spcBef>
-                <a:spcPts val="0"/>
-              </a:spcBef>
-              <a:spcAft>
-                <a:spcPts val="0"/>
-              </a:spcAft>
-              <a:buClr>
-                <a:schemeClr val="lt1"/>
-              </a:buClr>
-              <a:buSzPts val="2400"/>
-              <a:buFont typeface="Arial"/>
-              <a:buChar char="•"/>
-            </a:pPr>
-            <a:r>
-              <a:rPr lang="en-US" sz="2400">
-                <a:solidFill>
-                  <a:schemeClr val="lt1"/>
-                </a:solidFill>
-                <a:latin typeface="Sorts Mill Goudy"/>
-                <a:ea typeface="Sorts Mill Goudy"/>
-                <a:cs typeface="Sorts Mill Goudy"/>
-                <a:sym typeface="Sorts Mill Goudy"/>
-              </a:rPr>
-              <a:t>Automatic brightness/traffic-level scaling</a:t>
-            </a:r>
-            <a:endParaRPr/>
-          </a:p>
-        </p:txBody>
-      </p:sp>
-    </p:spTree>
-  </p:cSld>
-  <p:clrMapOvr>
-    <a:masterClrMapping/>
-  </p:clrMapOvr>
-</p:sld>
-</file>
-
-<file path=ppt/slides/slide11.xml><?xml version="1.0" encoding="utf-8"?>
-<p:sld xmlns:a="http://schemas.openxmlformats.org/drawingml/2006/main" xmlns:r="http://schemas.openxmlformats.org/officeDocument/2006/relationships" xmlns:mc="http://schemas.openxmlformats.org/markup-compatibility/2006" xmlns:mv="urn:schemas-microsoft-com:mac:vml" xmlns:p="http://schemas.openxmlformats.org/presentationml/2006/main" xmlns:c="http://schemas.openxmlformats.org/drawingml/2006/chart" xmlns:dgm="http://schemas.openxmlformats.org/drawingml/2006/diagram" xmlns:o="urn:schemas-microsoft-com:office:office" xmlns:v="urn:schemas-microsoft-com:vml" xmlns:pvml="urn:schemas-microsoft-com:office:powerpoint" xmlns:com="http://schemas.openxmlformats.org/drawingml/2006/compatibility" xmlns:p14="http://schemas.microsoft.com/office/powerpoint/2010/main" xmlns:p15="http://schemas.microsoft.com/office/powerpoint/2012/main" xmlns:ahyp="http://schemas.microsoft.com/office/drawing/2018/hyperlinkcolor">
-  <p:cSld>
-    <p:spTree>
-      <p:nvGrpSpPr>
-        <p:cNvPr id="203" name="Shape 203"/>
-        <p:cNvGrpSpPr/>
-        <p:nvPr/>
-      </p:nvGrpSpPr>
-      <p:grpSpPr>
-        <a:xfrm>
-          <a:off x="0" y="0"/>
-          <a:ext cx="0" cy="0"/>
-          <a:chOff x="0" y="0"/>
-          <a:chExt cx="0" cy="0"/>
-        </a:xfrm>
-      </p:grpSpPr>
-      <p:sp>
-        <p:nvSpPr>
-          <p:cNvPr id="204" name="Google Shape;204;p29"/>
-          <p:cNvSpPr/>
-          <p:nvPr/>
-        </p:nvSpPr>
-        <p:spPr>
-          <a:xfrm>
-            <a:off x="4000852" y="214805"/>
-            <a:ext cx="3817072" cy="769441"/>
-          </a:xfrm>
-          <a:prstGeom prst="rect">
-            <a:avLst/>
-          </a:prstGeom>
-          <a:noFill/>
-          <a:ln>
-            <a:noFill/>
-          </a:ln>
-        </p:spPr>
-        <p:txBody>
-          <a:bodyPr anchorCtr="0" anchor="t" bIns="45700" lIns="91425" spcFirstLastPara="1" rIns="91425" wrap="square" tIns="45700">
-            <a:noAutofit/>
-          </a:bodyPr>
-          <a:lstStyle/>
-          <a:p>
-            <a:pPr indent="0" lvl="0" marL="0" marR="0" rtl="0" algn="ctr">
-              <a:spcBef>
-                <a:spcPts val="0"/>
-              </a:spcBef>
-              <a:spcAft>
-                <a:spcPts val="0"/>
-              </a:spcAft>
-              <a:buNone/>
-            </a:pPr>
-            <a:r>
-              <a:rPr b="0" lang="en-US" sz="4400" cap="none">
-                <a:solidFill>
-                  <a:schemeClr val="lt1"/>
-                </a:solidFill>
-                <a:latin typeface="Sorts Mill Goudy"/>
-                <a:ea typeface="Sorts Mill Goudy"/>
-                <a:cs typeface="Sorts Mill Goudy"/>
-                <a:sym typeface="Sorts Mill Goudy"/>
-              </a:rPr>
-              <a:t>Important links</a:t>
-            </a:r>
-            <a:endParaRPr/>
-          </a:p>
-        </p:txBody>
-      </p:sp>
-      <p:sp>
-        <p:nvSpPr>
-          <p:cNvPr id="205" name="Google Shape;205;p29"/>
-          <p:cNvSpPr/>
-          <p:nvPr/>
-        </p:nvSpPr>
-        <p:spPr>
-          <a:xfrm>
-            <a:off x="1004673" y="1712173"/>
-            <a:ext cx="10041531" cy="523220"/>
-          </a:xfrm>
-          <a:prstGeom prst="rect">
-            <a:avLst/>
-          </a:prstGeom>
-          <a:noFill/>
-          <a:ln>
-            <a:noFill/>
-          </a:ln>
-        </p:spPr>
-        <p:txBody>
-          <a:bodyPr anchorCtr="0" anchor="t" bIns="45700" lIns="91425" spcFirstLastPara="1" rIns="91425" wrap="square" tIns="45700">
-            <a:noAutofit/>
-          </a:bodyPr>
-          <a:lstStyle/>
-          <a:p>
-            <a:pPr indent="0" lvl="0" marL="0" marR="0" rtl="0" algn="ctr">
-              <a:spcBef>
-                <a:spcPts val="0"/>
-              </a:spcBef>
-              <a:spcAft>
-                <a:spcPts val="0"/>
-              </a:spcAft>
-              <a:buNone/>
-            </a:pPr>
-            <a:r>
-              <a:rPr b="0" lang="en-US" sz="2800" cap="none">
-                <a:solidFill>
-                  <a:schemeClr val="lt1"/>
-                </a:solidFill>
-                <a:latin typeface="Sorts Mill Goudy"/>
-                <a:ea typeface="Sorts Mill Goudy"/>
-                <a:cs typeface="Sorts Mill Goudy"/>
-                <a:sym typeface="Sorts Mill Goudy"/>
-              </a:rPr>
-              <a:t>GitHub </a:t>
-            </a:r>
-            <a:r>
-              <a:rPr lang="en-US" sz="2800">
-                <a:solidFill>
-                  <a:schemeClr val="lt1"/>
-                </a:solidFill>
-                <a:latin typeface="Sorts Mill Goudy"/>
-                <a:ea typeface="Sorts Mill Goudy"/>
-                <a:cs typeface="Sorts Mill Goudy"/>
-                <a:sym typeface="Sorts Mill Goudy"/>
-              </a:rPr>
-              <a:t>link:   </a:t>
-            </a:r>
-            <a:r>
-              <a:rPr lang="en-US" sz="2400">
-                <a:solidFill>
-                  <a:schemeClr val="lt1"/>
-                </a:solidFill>
-                <a:latin typeface="Sorts Mill Goudy"/>
-                <a:ea typeface="Sorts Mill Goudy"/>
-                <a:cs typeface="Sorts Mill Goudy"/>
-                <a:sym typeface="Sorts Mill Goudy"/>
-              </a:rPr>
-              <a:t>https://github.com/Komalsingh7/Lumous_EyeGroupNo_9.git</a:t>
-            </a:r>
-            <a:endParaRPr b="0" sz="2400" cap="none">
-              <a:solidFill>
-                <a:schemeClr val="lt1"/>
-              </a:solidFill>
-              <a:latin typeface="Sorts Mill Goudy"/>
-              <a:ea typeface="Sorts Mill Goudy"/>
-              <a:cs typeface="Sorts Mill Goudy"/>
-              <a:sym typeface="Sorts Mill Goudy"/>
-            </a:endParaRPr>
-          </a:p>
-        </p:txBody>
-      </p:sp>
-      <p:sp>
-        <p:nvSpPr>
-          <p:cNvPr id="206" name="Google Shape;206;p29"/>
-          <p:cNvSpPr txBox="1"/>
-          <p:nvPr/>
-        </p:nvSpPr>
-        <p:spPr>
-          <a:xfrm>
-            <a:off x="1004673" y="2516546"/>
-            <a:ext cx="6097554" cy="584775"/>
-          </a:xfrm>
-          <a:prstGeom prst="rect">
-            <a:avLst/>
-          </a:prstGeom>
-          <a:noFill/>
-          <a:ln>
-            <a:noFill/>
-          </a:ln>
-        </p:spPr>
-        <p:txBody>
-          <a:bodyPr anchorCtr="0" anchor="t" bIns="45700" lIns="91425" spcFirstLastPara="1" rIns="91425" wrap="square" tIns="45700">
-            <a:spAutoFit/>
-          </a:bodyPr>
-          <a:lstStyle/>
-          <a:p>
-            <a:pPr indent="0" lvl="0" marL="0" marR="0" rtl="0" algn="l">
-              <a:spcBef>
-                <a:spcPts val="0"/>
-              </a:spcBef>
-              <a:spcAft>
-                <a:spcPts val="0"/>
-              </a:spcAft>
-              <a:buNone/>
-            </a:pPr>
-            <a:r>
-              <a:rPr lang="en-US" sz="2800">
-                <a:solidFill>
-                  <a:schemeClr val="lt1"/>
-                </a:solidFill>
-                <a:latin typeface="Sorts Mill Goudy"/>
-                <a:ea typeface="Sorts Mill Goudy"/>
-                <a:cs typeface="Sorts Mill Goudy"/>
-                <a:sym typeface="Sorts Mill Goudy"/>
-              </a:rPr>
-              <a:t>Video link</a:t>
-            </a:r>
-            <a:r>
-              <a:rPr lang="en-US" sz="3200">
-                <a:solidFill>
-                  <a:schemeClr val="lt1"/>
-                </a:solidFill>
-                <a:latin typeface="Sorts Mill Goudy"/>
-                <a:ea typeface="Sorts Mill Goudy"/>
-                <a:cs typeface="Sorts Mill Goudy"/>
-                <a:sym typeface="Sorts Mill Goudy"/>
-              </a:rPr>
-              <a:t>:  </a:t>
-            </a:r>
-            <a:r>
-              <a:rPr lang="en-US" sz="2400">
-                <a:solidFill>
-                  <a:schemeClr val="lt1"/>
-                </a:solidFill>
-                <a:latin typeface="Sorts Mill Goudy"/>
-                <a:ea typeface="Sorts Mill Goudy"/>
-                <a:cs typeface="Sorts Mill Goudy"/>
-                <a:sym typeface="Sorts Mill Goudy"/>
-              </a:rPr>
-              <a:t>https://youtu.be/1hxaNWZarEw </a:t>
-            </a:r>
-            <a:endParaRPr sz="1800">
-              <a:solidFill>
-                <a:schemeClr val="lt1"/>
-              </a:solidFill>
-              <a:latin typeface="Sorts Mill Goudy"/>
-              <a:ea typeface="Sorts Mill Goudy"/>
-              <a:cs typeface="Sorts Mill Goudy"/>
-              <a:sym typeface="Sorts Mill Goudy"/>
-            </a:endParaRPr>
-          </a:p>
-        </p:txBody>
-      </p:sp>
-    </p:spTree>
-  </p:cSld>
-  <p:clrMapOvr>
-    <a:masterClrMapping/>
-  </p:clrMapOvr>
-</p:sld>
-</file>
-
-<file path=ppt/slides/slide12.xml><?xml version="1.0" encoding="utf-8"?>
-<p:sld xmlns:a="http://schemas.openxmlformats.org/drawingml/2006/main" xmlns:r="http://schemas.openxmlformats.org/officeDocument/2006/relationships" xmlns:mc="http://schemas.openxmlformats.org/markup-compatibility/2006" xmlns:mv="urn:schemas-microsoft-com:mac:vml" xmlns:p="http://schemas.openxmlformats.org/presentationml/2006/main" xmlns:c="http://schemas.openxmlformats.org/drawingml/2006/chart" xmlns:dgm="http://schemas.openxmlformats.org/drawingml/2006/diagram" xmlns:o="urn:schemas-microsoft-com:office:office" xmlns:v="urn:schemas-microsoft-com:vml" xmlns:pvml="urn:schemas-microsoft-com:office:powerpoint" xmlns:com="http://schemas.openxmlformats.org/drawingml/2006/compatibility" xmlns:p14="http://schemas.microsoft.com/office/powerpoint/2010/main" xmlns:p15="http://schemas.microsoft.com/office/powerpoint/2012/main" xmlns:ahyp="http://schemas.microsoft.com/office/drawing/2018/hyperlinkcolor">
-  <p:cSld>
-    <p:spTree>
-      <p:nvGrpSpPr>
-        <p:cNvPr id="210" name="Shape 210"/>
-        <p:cNvGrpSpPr/>
-        <p:nvPr/>
-      </p:nvGrpSpPr>
-      <p:grpSpPr>
-        <a:xfrm>
-          <a:off x="0" y="0"/>
-          <a:ext cx="0" cy="0"/>
-          <a:chOff x="0" y="0"/>
-          <a:chExt cx="0" cy="0"/>
-        </a:xfrm>
-      </p:grpSpPr>
-      <p:sp>
-        <p:nvSpPr>
-          <p:cNvPr id="211" name="Google Shape;211;p30"/>
-          <p:cNvSpPr/>
-          <p:nvPr/>
-        </p:nvSpPr>
-        <p:spPr>
-          <a:xfrm>
-            <a:off x="4078592" y="214805"/>
-            <a:ext cx="3661580" cy="1446550"/>
-          </a:xfrm>
-          <a:prstGeom prst="rect">
-            <a:avLst/>
-          </a:prstGeom>
-          <a:noFill/>
-          <a:ln>
-            <a:noFill/>
-          </a:ln>
-        </p:spPr>
-        <p:txBody>
-          <a:bodyPr anchorCtr="0" anchor="t" bIns="45700" lIns="91425" spcFirstLastPara="1" rIns="91425" wrap="square" tIns="45700">
-            <a:noAutofit/>
-          </a:bodyPr>
-          <a:lstStyle/>
-          <a:p>
-            <a:pPr indent="0" lvl="0" marL="0" marR="0" rtl="0" algn="ctr">
-              <a:spcBef>
-                <a:spcPts val="0"/>
-              </a:spcBef>
-              <a:spcAft>
-                <a:spcPts val="0"/>
-              </a:spcAft>
-              <a:buNone/>
-            </a:pPr>
-            <a:r>
-              <a:rPr b="0" lang="en-US" sz="4400" cap="none">
-                <a:solidFill>
-                  <a:schemeClr val="lt1"/>
-                </a:solidFill>
-                <a:latin typeface="Sorts Mill Goudy"/>
-                <a:ea typeface="Sorts Mill Goudy"/>
-                <a:cs typeface="Sorts Mill Goudy"/>
-                <a:sym typeface="Sorts Mill Goudy"/>
-              </a:rPr>
-              <a:t>Team Members</a:t>
-            </a:r>
-            <a:endParaRPr/>
-          </a:p>
-          <a:p>
-            <a:pPr indent="0" lvl="0" marL="0" marR="0" rtl="0" algn="ctr">
-              <a:spcBef>
-                <a:spcPts val="0"/>
-              </a:spcBef>
-              <a:spcAft>
-                <a:spcPts val="0"/>
-              </a:spcAft>
-              <a:buNone/>
-            </a:pPr>
-            <a:r>
-              <a:t/>
-            </a:r>
-            <a:endParaRPr b="0" sz="4400" cap="none">
-              <a:solidFill>
-                <a:schemeClr val="lt1"/>
-              </a:solidFill>
-              <a:latin typeface="Sorts Mill Goudy"/>
-              <a:ea typeface="Sorts Mill Goudy"/>
-              <a:cs typeface="Sorts Mill Goudy"/>
-              <a:sym typeface="Sorts Mill Goudy"/>
-            </a:endParaRPr>
-          </a:p>
-        </p:txBody>
-      </p:sp>
-      <p:sp>
-        <p:nvSpPr>
-          <p:cNvPr id="212" name="Google Shape;212;p30"/>
-          <p:cNvSpPr/>
-          <p:nvPr/>
-        </p:nvSpPr>
-        <p:spPr>
-          <a:xfrm flipH="1">
-            <a:off x="1511559" y="172358"/>
-            <a:ext cx="8291804" cy="5262979"/>
-          </a:xfrm>
-          <a:prstGeom prst="rect">
-            <a:avLst/>
-          </a:prstGeom>
-          <a:noFill/>
-          <a:ln>
-            <a:noFill/>
-          </a:ln>
-        </p:spPr>
-        <p:txBody>
-          <a:bodyPr anchorCtr="0" anchor="ctr" bIns="45700" lIns="91425" spcFirstLastPara="1" rIns="91425" wrap="square" tIns="45700">
-            <a:noAutofit/>
-          </a:bodyPr>
-          <a:lstStyle/>
-          <a:p>
-            <a:pPr indent="0" lvl="0" marL="0" marR="0" rtl="0" algn="l">
-              <a:spcBef>
-                <a:spcPts val="0"/>
-              </a:spcBef>
-              <a:spcAft>
-                <a:spcPts val="0"/>
-              </a:spcAft>
-              <a:buNone/>
-            </a:pPr>
-            <a:r>
-              <a:t/>
-            </a:r>
-            <a:endParaRPr sz="2400">
-              <a:solidFill>
-                <a:schemeClr val="lt1"/>
-              </a:solidFill>
-              <a:latin typeface="Sorts Mill Goudy"/>
-              <a:ea typeface="Sorts Mill Goudy"/>
-              <a:cs typeface="Sorts Mill Goudy"/>
-              <a:sym typeface="Sorts Mill Goudy"/>
-            </a:endParaRPr>
-          </a:p>
-          <a:p>
-            <a:pPr indent="0" lvl="0" marL="0" marR="0" rtl="0" algn="l">
-              <a:spcBef>
-                <a:spcPts val="0"/>
-              </a:spcBef>
-              <a:spcAft>
-                <a:spcPts val="0"/>
-              </a:spcAft>
-              <a:buNone/>
-            </a:pPr>
-            <a:r>
-              <a:t/>
-            </a:r>
-            <a:endParaRPr sz="2400">
-              <a:solidFill>
-                <a:schemeClr val="lt1"/>
-              </a:solidFill>
-              <a:latin typeface="Sorts Mill Goudy"/>
-              <a:ea typeface="Sorts Mill Goudy"/>
-              <a:cs typeface="Sorts Mill Goudy"/>
-              <a:sym typeface="Sorts Mill Goudy"/>
-            </a:endParaRPr>
-          </a:p>
-          <a:p>
-            <a:pPr indent="0" lvl="0" marL="0" marR="0" rtl="0" algn="l">
-              <a:spcBef>
-                <a:spcPts val="0"/>
-              </a:spcBef>
-              <a:spcAft>
-                <a:spcPts val="0"/>
-              </a:spcAft>
-              <a:buNone/>
-            </a:pPr>
-            <a:r>
-              <a:t/>
-            </a:r>
-            <a:endParaRPr sz="2400">
-              <a:solidFill>
-                <a:schemeClr val="lt1"/>
-              </a:solidFill>
-              <a:latin typeface="Sorts Mill Goudy"/>
-              <a:ea typeface="Sorts Mill Goudy"/>
-              <a:cs typeface="Sorts Mill Goudy"/>
-              <a:sym typeface="Sorts Mill Goudy"/>
-            </a:endParaRPr>
-          </a:p>
-          <a:p>
-            <a:pPr indent="0" lvl="0" marL="0" marR="0" rtl="0" algn="l">
-              <a:spcBef>
-                <a:spcPts val="0"/>
-              </a:spcBef>
-              <a:spcAft>
-                <a:spcPts val="0"/>
-              </a:spcAft>
-              <a:buNone/>
-            </a:pPr>
-            <a:r>
-              <a:rPr lang="en-US" sz="2400">
-                <a:solidFill>
-                  <a:schemeClr val="lt1"/>
-                </a:solidFill>
-                <a:latin typeface="Sorts Mill Goudy"/>
-                <a:ea typeface="Sorts Mill Goudy"/>
-                <a:cs typeface="Sorts Mill Goudy"/>
-                <a:sym typeface="Sorts Mill Goudy"/>
-              </a:rPr>
-              <a:t>1.Dona Banerjee (20233123)</a:t>
-            </a:r>
-            <a:endParaRPr/>
-          </a:p>
-          <a:p>
-            <a:pPr indent="0" lvl="0" marL="0" marR="0" rtl="0" algn="l">
-              <a:spcBef>
-                <a:spcPts val="0"/>
-              </a:spcBef>
-              <a:spcAft>
-                <a:spcPts val="0"/>
-              </a:spcAft>
-              <a:buNone/>
-            </a:pPr>
-            <a:r>
-              <a:rPr lang="en-US" sz="2400">
-                <a:solidFill>
-                  <a:schemeClr val="lt1"/>
-                </a:solidFill>
-                <a:latin typeface="Sorts Mill Goudy"/>
-                <a:ea typeface="Sorts Mill Goudy"/>
-                <a:cs typeface="Sorts Mill Goudy"/>
-                <a:sym typeface="Sorts Mill Goudy"/>
-              </a:rPr>
-              <a:t>2.Venkata Kavya Sri Gurram(20233133)</a:t>
-            </a:r>
-            <a:endParaRPr/>
-          </a:p>
-          <a:p>
-            <a:pPr indent="0" lvl="0" marL="0" marR="0" rtl="0" algn="l">
-              <a:spcBef>
-                <a:spcPts val="0"/>
-              </a:spcBef>
-              <a:spcAft>
-                <a:spcPts val="0"/>
-              </a:spcAft>
-              <a:buNone/>
-            </a:pPr>
-            <a:r>
-              <a:rPr lang="en-US" sz="2400">
-                <a:solidFill>
-                  <a:schemeClr val="lt1"/>
-                </a:solidFill>
-                <a:latin typeface="Sorts Mill Goudy"/>
-                <a:ea typeface="Sorts Mill Goudy"/>
-                <a:cs typeface="Sorts Mill Goudy"/>
-                <a:sym typeface="Sorts Mill Goudy"/>
-              </a:rPr>
-              <a:t>3.Heeramani Gowthami(20233143)</a:t>
-            </a:r>
-            <a:endParaRPr/>
-          </a:p>
-          <a:p>
-            <a:pPr indent="0" lvl="0" marL="0" marR="0" rtl="0" algn="l">
-              <a:spcBef>
-                <a:spcPts val="0"/>
-              </a:spcBef>
-              <a:spcAft>
-                <a:spcPts val="0"/>
-              </a:spcAft>
-              <a:buNone/>
-            </a:pPr>
-            <a:r>
-              <a:rPr lang="en-US" sz="2400">
-                <a:solidFill>
-                  <a:schemeClr val="lt1"/>
-                </a:solidFill>
-                <a:latin typeface="Sorts Mill Goudy"/>
-                <a:ea typeface="Sorts Mill Goudy"/>
-                <a:cs typeface="Sorts Mill Goudy"/>
-                <a:sym typeface="Sorts Mill Goudy"/>
-              </a:rPr>
-              <a:t>4.Jyotsana Verma(20233153)</a:t>
-            </a:r>
-            <a:endParaRPr/>
-          </a:p>
-          <a:p>
-            <a:pPr indent="0" lvl="0" marL="0" marR="0" rtl="0" algn="l">
-              <a:spcBef>
-                <a:spcPts val="0"/>
-              </a:spcBef>
-              <a:spcAft>
-                <a:spcPts val="0"/>
-              </a:spcAft>
-              <a:buNone/>
-            </a:pPr>
-            <a:r>
-              <a:rPr lang="en-US" sz="2400">
-                <a:solidFill>
-                  <a:schemeClr val="lt1"/>
-                </a:solidFill>
-                <a:latin typeface="Sorts Mill Goudy"/>
-                <a:ea typeface="Sorts Mill Goudy"/>
-                <a:cs typeface="Sorts Mill Goudy"/>
-                <a:sym typeface="Sorts Mill Goudy"/>
-              </a:rPr>
-              <a:t>5.Jyoti Meena(20233152)</a:t>
-            </a:r>
-            <a:endParaRPr/>
-          </a:p>
-          <a:p>
-            <a:pPr indent="0" lvl="0" marL="0" marR="0" rtl="0" algn="l">
-              <a:spcBef>
-                <a:spcPts val="0"/>
-              </a:spcBef>
-              <a:spcAft>
-                <a:spcPts val="0"/>
-              </a:spcAft>
-              <a:buNone/>
-            </a:pPr>
-            <a:r>
-              <a:rPr lang="en-US" sz="2400">
-                <a:solidFill>
-                  <a:schemeClr val="lt1"/>
-                </a:solidFill>
-                <a:latin typeface="Sorts Mill Goudy"/>
-                <a:ea typeface="Sorts Mill Goudy"/>
-                <a:cs typeface="Sorts Mill Goudy"/>
-                <a:sym typeface="Sorts Mill Goudy"/>
-              </a:rPr>
-              <a:t>6.Kesiya Wilson(20233528)</a:t>
-            </a:r>
-            <a:endParaRPr/>
-          </a:p>
-          <a:p>
-            <a:pPr indent="0" lvl="0" marL="0" marR="0" rtl="0" algn="l">
-              <a:spcBef>
-                <a:spcPts val="0"/>
-              </a:spcBef>
-              <a:spcAft>
-                <a:spcPts val="0"/>
-              </a:spcAft>
-              <a:buNone/>
-            </a:pPr>
-            <a:r>
-              <a:rPr lang="en-US" sz="2400">
-                <a:solidFill>
-                  <a:schemeClr val="lt1"/>
-                </a:solidFill>
-                <a:latin typeface="Sorts Mill Goudy"/>
-                <a:ea typeface="Sorts Mill Goudy"/>
-                <a:cs typeface="Sorts Mill Goudy"/>
-                <a:sym typeface="Sorts Mill Goudy"/>
-              </a:rPr>
-              <a:t>7.Khushi Chandra(20233340)</a:t>
-            </a:r>
-            <a:endParaRPr/>
-          </a:p>
-          <a:p>
-            <a:pPr indent="0" lvl="0" marL="0" marR="0" rtl="0" algn="l">
-              <a:spcBef>
-                <a:spcPts val="0"/>
-              </a:spcBef>
-              <a:spcAft>
-                <a:spcPts val="0"/>
-              </a:spcAft>
-              <a:buNone/>
-            </a:pPr>
-            <a:r>
-              <a:rPr lang="en-US" sz="2400">
-                <a:solidFill>
-                  <a:schemeClr val="lt1"/>
-                </a:solidFill>
-                <a:latin typeface="Sorts Mill Goudy"/>
-                <a:ea typeface="Sorts Mill Goudy"/>
-                <a:cs typeface="Sorts Mill Goudy"/>
-                <a:sym typeface="Sorts Mill Goudy"/>
-              </a:rPr>
-              <a:t>8.Khushi Choudhary(20233162)</a:t>
-            </a:r>
-            <a:endParaRPr/>
-          </a:p>
-          <a:p>
-            <a:pPr indent="0" lvl="0" marL="0" marR="0" rtl="0" algn="l">
-              <a:spcBef>
-                <a:spcPts val="0"/>
-              </a:spcBef>
-              <a:spcAft>
-                <a:spcPts val="0"/>
-              </a:spcAft>
-              <a:buNone/>
-            </a:pPr>
-            <a:r>
-              <a:rPr lang="en-US" sz="2400">
-                <a:solidFill>
-                  <a:schemeClr val="lt1"/>
-                </a:solidFill>
-                <a:latin typeface="Sorts Mill Goudy"/>
-                <a:ea typeface="Sorts Mill Goudy"/>
-                <a:cs typeface="Sorts Mill Goudy"/>
-                <a:sym typeface="Sorts Mill Goudy"/>
-              </a:rPr>
-              <a:t>9.Kirti Srivastava(20233163)</a:t>
-            </a:r>
-            <a:endParaRPr/>
-          </a:p>
-          <a:p>
-            <a:pPr indent="0" lvl="0" marL="0" marR="0" rtl="0" algn="l">
-              <a:spcBef>
-                <a:spcPts val="0"/>
-              </a:spcBef>
-              <a:spcAft>
-                <a:spcPts val="0"/>
-              </a:spcAft>
-              <a:buNone/>
-            </a:pPr>
-            <a:r>
-              <a:rPr lang="en-US" sz="2400">
-                <a:solidFill>
-                  <a:schemeClr val="lt1"/>
-                </a:solidFill>
-                <a:latin typeface="Sorts Mill Goudy"/>
-                <a:ea typeface="Sorts Mill Goudy"/>
-                <a:cs typeface="Sorts Mill Goudy"/>
-                <a:sym typeface="Sorts Mill Goudy"/>
-              </a:rPr>
-              <a:t>10.Komal Singh(20233164)</a:t>
-            </a:r>
-            <a:endParaRPr/>
-          </a:p>
-          <a:p>
-            <a:pPr indent="0" lvl="0" marL="0" marR="0" rtl="0" algn="l">
-              <a:spcBef>
-                <a:spcPts val="0"/>
-              </a:spcBef>
-              <a:spcAft>
-                <a:spcPts val="0"/>
-              </a:spcAft>
-              <a:buNone/>
-            </a:pPr>
-            <a:r>
-              <a:rPr lang="en-US" sz="2400">
-                <a:solidFill>
-                  <a:schemeClr val="lt1"/>
-                </a:solidFill>
-                <a:latin typeface="Sorts Mill Goudy"/>
-                <a:ea typeface="Sorts Mill Goudy"/>
-                <a:cs typeface="Sorts Mill Goudy"/>
-                <a:sym typeface="Sorts Mill Goudy"/>
-              </a:rPr>
-              <a:t>11.Kratika Srivas(20233167)</a:t>
-            </a:r>
-            <a:endParaRPr/>
-          </a:p>
-        </p:txBody>
-      </p:sp>
-    </p:spTree>
-  </p:cSld>
-  <p:clrMapOvr>
-    <a:masterClrMapping/>
-  </p:clrMapOvr>
-</p:sld>
-</file>
-
-<file path=ppt/slides/slide2.xml><?xml version="1.0" encoding="utf-8"?>
-<p:sld xmlns:a="http://schemas.openxmlformats.org/drawingml/2006/main" xmlns:r="http://schemas.openxmlformats.org/officeDocument/2006/relationships" xmlns:mc="http://schemas.openxmlformats.org/markup-compatibility/2006" xmlns:mv="urn:schemas-microsoft-com:mac:vml" xmlns:p="http://schemas.openxmlformats.org/presentationml/2006/main" xmlns:c="http://schemas.openxmlformats.org/drawingml/2006/chart" xmlns:dgm="http://schemas.openxmlformats.org/drawingml/2006/diagram" xmlns:o="urn:schemas-microsoft-com:office:office" xmlns:v="urn:schemas-microsoft-com:vml" xmlns:pvml="urn:schemas-microsoft-com:office:powerpoint" xmlns:com="http://schemas.openxmlformats.org/drawingml/2006/compatibility" xmlns:p14="http://schemas.microsoft.com/office/powerpoint/2010/main" xmlns:p15="http://schemas.microsoft.com/office/powerpoint/2012/main" xmlns:ahyp="http://schemas.microsoft.com/office/drawing/2018/hyperlinkcolor">
-  <p:cSld>
-    <p:spTree>
-      <p:nvGrpSpPr>
-        <p:cNvPr id="151" name="Shape 151"/>
-        <p:cNvGrpSpPr/>
-        <p:nvPr/>
-      </p:nvGrpSpPr>
-      <p:grpSpPr>
-        <a:xfrm>
-          <a:off x="0" y="0"/>
-          <a:ext cx="0" cy="0"/>
-          <a:chOff x="0" y="0"/>
-          <a:chExt cx="0" cy="0"/>
-        </a:xfrm>
-      </p:grpSpPr>
-      <p:sp>
-        <p:nvSpPr>
-          <p:cNvPr id="152" name="Google Shape;152;p20"/>
+          <p:cNvPr id="157" name="Google Shape;157;p21"/>
           <p:cNvSpPr txBox="1"/>
           <p:nvPr>
             <p:ph type="title"/>
@@ -18651,7 +19306,7 @@
         <p:spPr>
           <a:xfrm>
             <a:off x="577893" y="1497953"/>
-            <a:ext cx="10353762" cy="1257300"/>
+            <a:ext cx="10353900" cy="1257300"/>
           </a:xfrm>
           <a:prstGeom prst="rect">
             <a:avLst/>
@@ -18779,12 +19434,12 @@
 </p:sld>
 </file>
 
-<file path=ppt/slides/slide3.xml><?xml version="1.0" encoding="utf-8"?>
+<file path=ppt/slides/slide4.xml><?xml version="1.0" encoding="utf-8"?>
 <p:sld xmlns:a="http://schemas.openxmlformats.org/drawingml/2006/main" xmlns:r="http://schemas.openxmlformats.org/officeDocument/2006/relationships" xmlns:mc="http://schemas.openxmlformats.org/markup-compatibility/2006" xmlns:mv="urn:schemas-microsoft-com:mac:vml" xmlns:p="http://schemas.openxmlformats.org/presentationml/2006/main" xmlns:c="http://schemas.openxmlformats.org/drawingml/2006/chart" xmlns:dgm="http://schemas.openxmlformats.org/drawingml/2006/diagram" xmlns:o="urn:schemas-microsoft-com:office:office" xmlns:v="urn:schemas-microsoft-com:vml" xmlns:pvml="urn:schemas-microsoft-com:office:powerpoint" xmlns:com="http://schemas.openxmlformats.org/drawingml/2006/compatibility" xmlns:p14="http://schemas.microsoft.com/office/powerpoint/2010/main" xmlns:p15="http://schemas.microsoft.com/office/powerpoint/2012/main" xmlns:ahyp="http://schemas.microsoft.com/office/drawing/2018/hyperlinkcolor">
   <p:cSld>
     <p:spTree>
       <p:nvGrpSpPr>
-        <p:cNvPr id="156" name="Shape 156"/>
+        <p:cNvPr id="161" name="Shape 161"/>
         <p:cNvGrpSpPr/>
         <p:nvPr/>
       </p:nvGrpSpPr>
@@ -18798,7 +19453,7 @@
       </p:grpSpPr>
       <p:sp>
         <p:nvSpPr>
-          <p:cNvPr id="157" name="Google Shape;157;p21"/>
+          <p:cNvPr id="162" name="Google Shape;162;p22"/>
           <p:cNvSpPr/>
           <p:nvPr/>
         </p:nvSpPr>
@@ -18856,7 +19511,7 @@
       </p:sp>
       <p:sp>
         <p:nvSpPr>
-          <p:cNvPr id="158" name="Google Shape;158;p21"/>
+          <p:cNvPr id="163" name="Google Shape;163;p22"/>
           <p:cNvSpPr/>
           <p:nvPr/>
         </p:nvSpPr>
@@ -19097,12 +19752,12 @@
 </p:sld>
 </file>
 
-<file path=ppt/slides/slide4.xml><?xml version="1.0" encoding="utf-8"?>
+<file path=ppt/slides/slide5.xml><?xml version="1.0" encoding="utf-8"?>
 <p:sld xmlns:a="http://schemas.openxmlformats.org/drawingml/2006/main" xmlns:r="http://schemas.openxmlformats.org/officeDocument/2006/relationships" xmlns:mc="http://schemas.openxmlformats.org/markup-compatibility/2006" xmlns:mv="urn:schemas-microsoft-com:mac:vml" xmlns:p="http://schemas.openxmlformats.org/presentationml/2006/main" xmlns:c="http://schemas.openxmlformats.org/drawingml/2006/chart" xmlns:dgm="http://schemas.openxmlformats.org/drawingml/2006/diagram" xmlns:o="urn:schemas-microsoft-com:office:office" xmlns:v="urn:schemas-microsoft-com:vml" xmlns:pvml="urn:schemas-microsoft-com:office:powerpoint" xmlns:com="http://schemas.openxmlformats.org/drawingml/2006/compatibility" xmlns:p14="http://schemas.microsoft.com/office/powerpoint/2010/main" xmlns:p15="http://schemas.microsoft.com/office/powerpoint/2012/main" xmlns:ahyp="http://schemas.microsoft.com/office/drawing/2018/hyperlinkcolor">
   <p:cSld>
     <p:spTree>
       <p:nvGrpSpPr>
-        <p:cNvPr id="162" name="Shape 162"/>
+        <p:cNvPr id="167" name="Shape 167"/>
         <p:cNvGrpSpPr/>
         <p:nvPr/>
       </p:nvGrpSpPr>
@@ -19116,7 +19771,7 @@
       </p:grpSpPr>
       <p:sp>
         <p:nvSpPr>
-          <p:cNvPr id="163" name="Google Shape;163;p22"/>
+          <p:cNvPr id="168" name="Google Shape;168;p23"/>
           <p:cNvSpPr/>
           <p:nvPr/>
         </p:nvSpPr>
@@ -19174,7 +19829,7 @@
       </p:sp>
       <p:sp>
         <p:nvSpPr>
-          <p:cNvPr id="164" name="Google Shape;164;p22"/>
+          <p:cNvPr id="169" name="Google Shape;169;p23"/>
           <p:cNvSpPr/>
           <p:nvPr/>
         </p:nvSpPr>
@@ -19495,12 +20150,12 @@
 </p:sld>
 </file>
 
-<file path=ppt/slides/slide5.xml><?xml version="1.0" encoding="utf-8"?>
+<file path=ppt/slides/slide6.xml><?xml version="1.0" encoding="utf-8"?>
 <p:sld xmlns:a="http://schemas.openxmlformats.org/drawingml/2006/main" xmlns:r="http://schemas.openxmlformats.org/officeDocument/2006/relationships" xmlns:mc="http://schemas.openxmlformats.org/markup-compatibility/2006" xmlns:mv="urn:schemas-microsoft-com:mac:vml" xmlns:p="http://schemas.openxmlformats.org/presentationml/2006/main" xmlns:c="http://schemas.openxmlformats.org/drawingml/2006/chart" xmlns:dgm="http://schemas.openxmlformats.org/drawingml/2006/diagram" xmlns:o="urn:schemas-microsoft-com:office:office" xmlns:v="urn:schemas-microsoft-com:vml" xmlns:pvml="urn:schemas-microsoft-com:office:powerpoint" xmlns:com="http://schemas.openxmlformats.org/drawingml/2006/compatibility" xmlns:p14="http://schemas.microsoft.com/office/powerpoint/2010/main" xmlns:p15="http://schemas.microsoft.com/office/powerpoint/2012/main" xmlns:ahyp="http://schemas.microsoft.com/office/drawing/2018/hyperlinkcolor">
   <p:cSld>
     <p:spTree>
       <p:nvGrpSpPr>
-        <p:cNvPr id="168" name="Shape 168"/>
+        <p:cNvPr id="173" name="Shape 173"/>
         <p:cNvGrpSpPr/>
         <p:nvPr/>
       </p:nvGrpSpPr>
@@ -19514,7 +20169,7 @@
       </p:grpSpPr>
       <p:sp>
         <p:nvSpPr>
-          <p:cNvPr id="169" name="Google Shape;169;p23"/>
+          <p:cNvPr id="174" name="Google Shape;174;p24"/>
           <p:cNvSpPr/>
           <p:nvPr/>
         </p:nvSpPr>
@@ -19572,7 +20227,7 @@
       </p:sp>
       <p:sp>
         <p:nvSpPr>
-          <p:cNvPr id="170" name="Google Shape;170;p23"/>
+          <p:cNvPr id="175" name="Google Shape;175;p24"/>
           <p:cNvSpPr/>
           <p:nvPr/>
         </p:nvSpPr>
@@ -20078,12 +20733,12 @@
 </p:sld>
 </file>
 
-<file path=ppt/slides/slide6.xml><?xml version="1.0" encoding="utf-8"?>
+<file path=ppt/slides/slide7.xml><?xml version="1.0" encoding="utf-8"?>
 <p:sld xmlns:a="http://schemas.openxmlformats.org/drawingml/2006/main" xmlns:r="http://schemas.openxmlformats.org/officeDocument/2006/relationships" xmlns:mc="http://schemas.openxmlformats.org/markup-compatibility/2006" xmlns:mv="urn:schemas-microsoft-com:mac:vml" xmlns:p="http://schemas.openxmlformats.org/presentationml/2006/main" xmlns:c="http://schemas.openxmlformats.org/drawingml/2006/chart" xmlns:dgm="http://schemas.openxmlformats.org/drawingml/2006/diagram" xmlns:o="urn:schemas-microsoft-com:office:office" xmlns:v="urn:schemas-microsoft-com:vml" xmlns:pvml="urn:schemas-microsoft-com:office:powerpoint" xmlns:com="http://schemas.openxmlformats.org/drawingml/2006/compatibility" xmlns:p14="http://schemas.microsoft.com/office/powerpoint/2010/main" xmlns:p15="http://schemas.microsoft.com/office/powerpoint/2012/main" xmlns:ahyp="http://schemas.microsoft.com/office/drawing/2018/hyperlinkcolor">
   <p:cSld>
     <p:spTree>
       <p:nvGrpSpPr>
-        <p:cNvPr id="174" name="Shape 174"/>
+        <p:cNvPr id="179" name="Shape 179"/>
         <p:cNvGrpSpPr/>
         <p:nvPr/>
       </p:nvGrpSpPr>
@@ -20097,7 +20752,7 @@
       </p:grpSpPr>
       <p:sp>
         <p:nvSpPr>
-          <p:cNvPr id="175" name="Google Shape;175;p24"/>
+          <p:cNvPr id="180" name="Google Shape;180;p25"/>
           <p:cNvSpPr/>
           <p:nvPr/>
         </p:nvSpPr>
@@ -20155,7 +20810,7 @@
       </p:sp>
       <p:sp>
         <p:nvSpPr>
-          <p:cNvPr id="176" name="Google Shape;176;p24"/>
+          <p:cNvPr id="181" name="Google Shape;181;p25"/>
           <p:cNvSpPr/>
           <p:nvPr/>
         </p:nvSpPr>
@@ -20535,12 +21190,12 @@
 </p:sld>
 </file>
 
-<file path=ppt/slides/slide7.xml><?xml version="1.0" encoding="utf-8"?>
+<file path=ppt/slides/slide8.xml><?xml version="1.0" encoding="utf-8"?>
 <p:sld xmlns:a="http://schemas.openxmlformats.org/drawingml/2006/main" xmlns:r="http://schemas.openxmlformats.org/officeDocument/2006/relationships" xmlns:mc="http://schemas.openxmlformats.org/markup-compatibility/2006" xmlns:mv="urn:schemas-microsoft-com:mac:vml" xmlns:p="http://schemas.openxmlformats.org/presentationml/2006/main" xmlns:c="http://schemas.openxmlformats.org/drawingml/2006/chart" xmlns:dgm="http://schemas.openxmlformats.org/drawingml/2006/diagram" xmlns:o="urn:schemas-microsoft-com:office:office" xmlns:v="urn:schemas-microsoft-com:vml" xmlns:pvml="urn:schemas-microsoft-com:office:powerpoint" xmlns:com="http://schemas.openxmlformats.org/drawingml/2006/compatibility" xmlns:p14="http://schemas.microsoft.com/office/powerpoint/2010/main" xmlns:p15="http://schemas.microsoft.com/office/powerpoint/2012/main" xmlns:ahyp="http://schemas.microsoft.com/office/drawing/2018/hyperlinkcolor">
   <p:cSld>
     <p:spTree>
       <p:nvGrpSpPr>
-        <p:cNvPr id="180" name="Shape 180"/>
+        <p:cNvPr id="185" name="Shape 185"/>
         <p:cNvGrpSpPr/>
         <p:nvPr/>
       </p:nvGrpSpPr>
@@ -20554,7 +21209,7 @@
       </p:grpSpPr>
       <p:sp>
         <p:nvSpPr>
-          <p:cNvPr id="181" name="Google Shape;181;p25"/>
+          <p:cNvPr id="186" name="Google Shape;186;p26"/>
           <p:cNvSpPr/>
           <p:nvPr/>
         </p:nvSpPr>
@@ -20612,7 +21267,7 @@
       </p:sp>
       <p:sp>
         <p:nvSpPr>
-          <p:cNvPr id="182" name="Google Shape;182;p25"/>
+          <p:cNvPr id="187" name="Google Shape;187;p26"/>
           <p:cNvSpPr/>
           <p:nvPr/>
         </p:nvSpPr>
@@ -21096,12 +21751,12 @@
 </p:sld>
 </file>
 
-<file path=ppt/slides/slide8.xml><?xml version="1.0" encoding="utf-8"?>
+<file path=ppt/slides/slide9.xml><?xml version="1.0" encoding="utf-8"?>
 <p:sld xmlns:a="http://schemas.openxmlformats.org/drawingml/2006/main" xmlns:r="http://schemas.openxmlformats.org/officeDocument/2006/relationships" xmlns:mc="http://schemas.openxmlformats.org/markup-compatibility/2006" xmlns:mv="urn:schemas-microsoft-com:mac:vml" xmlns:p="http://schemas.openxmlformats.org/presentationml/2006/main" xmlns:c="http://schemas.openxmlformats.org/drawingml/2006/chart" xmlns:dgm="http://schemas.openxmlformats.org/drawingml/2006/diagram" xmlns:o="urn:schemas-microsoft-com:office:office" xmlns:v="urn:schemas-microsoft-com:vml" xmlns:pvml="urn:schemas-microsoft-com:office:powerpoint" xmlns:com="http://schemas.openxmlformats.org/drawingml/2006/compatibility" xmlns:p14="http://schemas.microsoft.com/office/powerpoint/2010/main" xmlns:p15="http://schemas.microsoft.com/office/powerpoint/2012/main" xmlns:ahyp="http://schemas.microsoft.com/office/drawing/2018/hyperlinkcolor">
   <p:cSld>
     <p:spTree>
       <p:nvGrpSpPr>
-        <p:cNvPr id="186" name="Shape 186"/>
+        <p:cNvPr id="191" name="Shape 191"/>
         <p:cNvGrpSpPr/>
         <p:nvPr/>
       </p:nvGrpSpPr>
@@ -21115,7 +21770,7 @@
       </p:grpSpPr>
       <p:pic>
         <p:nvPicPr>
-          <p:cNvPr id="187" name="Google Shape;187;p26"/>
+          <p:cNvPr id="192" name="Google Shape;192;p27"/>
           <p:cNvPicPr preferRelativeResize="0"/>
           <p:nvPr/>
         </p:nvPicPr>
@@ -21141,319 +21796,6 @@
           </a:ln>
         </p:spPr>
       </p:pic>
-    </p:spTree>
-  </p:cSld>
-  <p:clrMapOvr>
-    <a:masterClrMapping/>
-  </p:clrMapOvr>
-</p:sld>
-</file>
-
-<file path=ppt/slides/slide9.xml><?xml version="1.0" encoding="utf-8"?>
-<p:sld xmlns:a="http://schemas.openxmlformats.org/drawingml/2006/main" xmlns:r="http://schemas.openxmlformats.org/officeDocument/2006/relationships" xmlns:mc="http://schemas.openxmlformats.org/markup-compatibility/2006" xmlns:mv="urn:schemas-microsoft-com:mac:vml" xmlns:p="http://schemas.openxmlformats.org/presentationml/2006/main" xmlns:c="http://schemas.openxmlformats.org/drawingml/2006/chart" xmlns:dgm="http://schemas.openxmlformats.org/drawingml/2006/diagram" xmlns:o="urn:schemas-microsoft-com:office:office" xmlns:v="urn:schemas-microsoft-com:vml" xmlns:pvml="urn:schemas-microsoft-com:office:powerpoint" xmlns:com="http://schemas.openxmlformats.org/drawingml/2006/compatibility" xmlns:p14="http://schemas.microsoft.com/office/powerpoint/2010/main" xmlns:p15="http://schemas.microsoft.com/office/powerpoint/2012/main" xmlns:ahyp="http://schemas.microsoft.com/office/drawing/2018/hyperlinkcolor">
-  <p:cSld>
-    <p:spTree>
-      <p:nvGrpSpPr>
-        <p:cNvPr id="191" name="Shape 191"/>
-        <p:cNvGrpSpPr/>
-        <p:nvPr/>
-      </p:nvGrpSpPr>
-      <p:grpSpPr>
-        <a:xfrm>
-          <a:off x="0" y="0"/>
-          <a:ext cx="0" cy="0"/>
-          <a:chOff x="0" y="0"/>
-          <a:chExt cx="0" cy="0"/>
-        </a:xfrm>
-      </p:grpSpPr>
-      <p:sp>
-        <p:nvSpPr>
-          <p:cNvPr id="192" name="Google Shape;192;p27"/>
-          <p:cNvSpPr/>
-          <p:nvPr/>
-        </p:nvSpPr>
-        <p:spPr>
-          <a:xfrm>
-            <a:off x="3556018" y="214805"/>
-            <a:ext cx="4706738" cy="769441"/>
-          </a:xfrm>
-          <a:prstGeom prst="rect">
-            <a:avLst/>
-          </a:prstGeom>
-          <a:noFill/>
-          <a:ln>
-            <a:noFill/>
-          </a:ln>
-        </p:spPr>
-        <p:txBody>
-          <a:bodyPr anchorCtr="0" anchor="t" bIns="45700" lIns="91425" spcFirstLastPara="1" rIns="91425" wrap="square" tIns="45700">
-            <a:noAutofit/>
-          </a:bodyPr>
-          <a:lstStyle/>
-          <a:p>
-            <a:pPr indent="0" lvl="0" marL="0" marR="0" rtl="0" algn="ctr">
-              <a:spcBef>
-                <a:spcPts val="0"/>
-              </a:spcBef>
-              <a:spcAft>
-                <a:spcPts val="0"/>
-              </a:spcAft>
-              <a:buNone/>
-            </a:pPr>
-            <a:r>
-              <a:rPr lang="en-US" sz="4400">
-                <a:solidFill>
-                  <a:schemeClr val="lt1"/>
-                </a:solidFill>
-                <a:latin typeface="Sorts Mill Goudy"/>
-                <a:ea typeface="Sorts Mill Goudy"/>
-                <a:cs typeface="Sorts Mill Goudy"/>
-                <a:sym typeface="Sorts Mill Goudy"/>
-              </a:rPr>
-              <a:t>What We Achieved:</a:t>
-            </a:r>
-            <a:endParaRPr b="0" sz="4400" cap="none">
-              <a:solidFill>
-                <a:schemeClr val="lt1"/>
-              </a:solidFill>
-              <a:latin typeface="Sorts Mill Goudy"/>
-              <a:ea typeface="Sorts Mill Goudy"/>
-              <a:cs typeface="Sorts Mill Goudy"/>
-              <a:sym typeface="Sorts Mill Goudy"/>
-            </a:endParaRPr>
-          </a:p>
-        </p:txBody>
-      </p:sp>
-      <p:sp>
-        <p:nvSpPr>
-          <p:cNvPr id="193" name="Google Shape;193;p27"/>
-          <p:cNvSpPr/>
-          <p:nvPr/>
-        </p:nvSpPr>
-        <p:spPr>
-          <a:xfrm flipH="1">
-            <a:off x="1511559" y="1649685"/>
-            <a:ext cx="8291804" cy="2308324"/>
-          </a:xfrm>
-          <a:prstGeom prst="rect">
-            <a:avLst/>
-          </a:prstGeom>
-          <a:noFill/>
-          <a:ln>
-            <a:noFill/>
-          </a:ln>
-        </p:spPr>
-        <p:txBody>
-          <a:bodyPr anchorCtr="0" anchor="ctr" bIns="45700" lIns="91425" spcFirstLastPara="1" rIns="91425" wrap="square" tIns="45700">
-            <a:noAutofit/>
-          </a:bodyPr>
-          <a:lstStyle/>
-          <a:p>
-            <a:pPr indent="-152400" lvl="0" marL="0" marR="0" rtl="0" algn="ctr">
-              <a:lnSpc>
-                <a:spcPct val="100000"/>
-              </a:lnSpc>
-              <a:spcBef>
-                <a:spcPts val="0"/>
-              </a:spcBef>
-              <a:spcAft>
-                <a:spcPts val="0"/>
-              </a:spcAft>
-              <a:buClr>
-                <a:schemeClr val="lt1"/>
-              </a:buClr>
-              <a:buSzPts val="2400"/>
-              <a:buFont typeface="Arial"/>
-              <a:buChar char="•"/>
-            </a:pPr>
-            <a:r>
-              <a:rPr b="1" i="0" lang="en-US" sz="2400" u="none" cap="none" strike="noStrike">
-                <a:solidFill>
-                  <a:schemeClr val="lt1"/>
-                </a:solidFill>
-                <a:latin typeface="Arial"/>
-                <a:ea typeface="Arial"/>
-                <a:cs typeface="Arial"/>
-                <a:sym typeface="Arial"/>
-              </a:rPr>
-              <a:t>80–90% reduction</a:t>
-            </a:r>
-            <a:r>
-              <a:rPr b="0" i="0" lang="en-US" sz="2400" u="none" cap="none" strike="noStrike">
-                <a:solidFill>
-                  <a:schemeClr val="lt1"/>
-                </a:solidFill>
-                <a:latin typeface="Arial"/>
-                <a:ea typeface="Arial"/>
-                <a:cs typeface="Arial"/>
-                <a:sym typeface="Arial"/>
-              </a:rPr>
-              <a:t> in power usage</a:t>
-            </a:r>
-            <a:endParaRPr/>
-          </a:p>
-          <a:p>
-            <a:pPr indent="-152400" lvl="0" marL="0" marR="0" rtl="0" algn="ctr">
-              <a:lnSpc>
-                <a:spcPct val="100000"/>
-              </a:lnSpc>
-              <a:spcBef>
-                <a:spcPts val="0"/>
-              </a:spcBef>
-              <a:spcAft>
-                <a:spcPts val="0"/>
-              </a:spcAft>
-              <a:buClr>
-                <a:schemeClr val="lt1"/>
-              </a:buClr>
-              <a:buSzPts val="2400"/>
-              <a:buFont typeface="Arial"/>
-              <a:buChar char="•"/>
-            </a:pPr>
-            <a:r>
-              <a:rPr b="0" i="0" lang="en-US" sz="2400" u="none" cap="none" strike="noStrike">
-                <a:solidFill>
-                  <a:schemeClr val="lt1"/>
-                </a:solidFill>
-                <a:latin typeface="Arial"/>
-                <a:ea typeface="Arial"/>
-                <a:cs typeface="Arial"/>
-                <a:sym typeface="Arial"/>
-              </a:rPr>
-              <a:t>No light ON during day</a:t>
-            </a:r>
-            <a:endParaRPr/>
-          </a:p>
-          <a:p>
-            <a:pPr indent="-152400" lvl="0" marL="0" marR="0" rtl="0" algn="ctr">
-              <a:lnSpc>
-                <a:spcPct val="100000"/>
-              </a:lnSpc>
-              <a:spcBef>
-                <a:spcPts val="0"/>
-              </a:spcBef>
-              <a:spcAft>
-                <a:spcPts val="0"/>
-              </a:spcAft>
-              <a:buClr>
-                <a:schemeClr val="lt1"/>
-              </a:buClr>
-              <a:buSzPts val="2400"/>
-              <a:buFont typeface="Arial"/>
-              <a:buChar char="•"/>
-            </a:pPr>
-            <a:r>
-              <a:rPr b="0" i="0" lang="en-US" sz="2400" u="none" cap="none" strike="noStrike">
-                <a:solidFill>
-                  <a:schemeClr val="lt1"/>
-                </a:solidFill>
-                <a:latin typeface="Arial"/>
-                <a:ea typeface="Arial"/>
-                <a:cs typeface="Arial"/>
-                <a:sym typeface="Arial"/>
-              </a:rPr>
-              <a:t>Smooth ON/OFF lighting</a:t>
-            </a:r>
-            <a:endParaRPr/>
-          </a:p>
-          <a:p>
-            <a:pPr indent="-152400" lvl="0" marL="0" marR="0" rtl="0" algn="ctr">
-              <a:lnSpc>
-                <a:spcPct val="100000"/>
-              </a:lnSpc>
-              <a:spcBef>
-                <a:spcPts val="0"/>
-              </a:spcBef>
-              <a:spcAft>
-                <a:spcPts val="0"/>
-              </a:spcAft>
-              <a:buClr>
-                <a:schemeClr val="lt1"/>
-              </a:buClr>
-              <a:buSzPts val="2400"/>
-              <a:buFont typeface="Arial"/>
-              <a:buChar char="•"/>
-            </a:pPr>
-            <a:r>
-              <a:rPr b="0" i="0" lang="en-US" sz="2400" u="none" cap="none" strike="noStrike">
-                <a:solidFill>
-                  <a:schemeClr val="lt1"/>
-                </a:solidFill>
-                <a:latin typeface="Arial"/>
-                <a:ea typeface="Arial"/>
-                <a:cs typeface="Arial"/>
-                <a:sym typeface="Arial"/>
-              </a:rPr>
-              <a:t>Enhanced visibility in fog/rain/winter</a:t>
-            </a:r>
-            <a:endParaRPr/>
-          </a:p>
-          <a:p>
-            <a:pPr indent="-152400" lvl="0" marL="0" marR="0" rtl="0" algn="ctr">
-              <a:lnSpc>
-                <a:spcPct val="100000"/>
-              </a:lnSpc>
-              <a:spcBef>
-                <a:spcPts val="0"/>
-              </a:spcBef>
-              <a:spcAft>
-                <a:spcPts val="0"/>
-              </a:spcAft>
-              <a:buClr>
-                <a:schemeClr val="lt1"/>
-              </a:buClr>
-              <a:buSzPts val="2400"/>
-              <a:buFont typeface="Arial"/>
-              <a:buChar char="•"/>
-            </a:pPr>
-            <a:r>
-              <a:rPr b="0" i="0" lang="en-US" sz="2400" u="none" cap="none" strike="noStrike">
-                <a:solidFill>
-                  <a:schemeClr val="lt1"/>
-                </a:solidFill>
-                <a:latin typeface="Arial"/>
-                <a:ea typeface="Arial"/>
-                <a:cs typeface="Arial"/>
-                <a:sym typeface="Arial"/>
-              </a:rPr>
-              <a:t>Reliable multi-light control</a:t>
-            </a:r>
-            <a:endParaRPr/>
-          </a:p>
-          <a:p>
-            <a:pPr indent="-152400" lvl="0" marL="0" marR="0" rtl="0" algn="ctr">
-              <a:lnSpc>
-                <a:spcPct val="100000"/>
-              </a:lnSpc>
-              <a:spcBef>
-                <a:spcPts val="0"/>
-              </a:spcBef>
-              <a:spcAft>
-                <a:spcPts val="0"/>
-              </a:spcAft>
-              <a:buClr>
-                <a:schemeClr val="lt1"/>
-              </a:buClr>
-              <a:buSzPts val="2400"/>
-              <a:buFont typeface="Arial"/>
-              <a:buChar char="•"/>
-            </a:pPr>
-            <a:r>
-              <a:rPr b="0" i="0" lang="en-US" sz="2400" u="none" cap="none" strike="noStrike">
-                <a:solidFill>
-                  <a:schemeClr val="lt1"/>
-                </a:solidFill>
-                <a:latin typeface="Arial"/>
-                <a:ea typeface="Arial"/>
-                <a:cs typeface="Arial"/>
-                <a:sym typeface="Arial"/>
-              </a:rPr>
-              <a:t>Highly scalable and cheap to deploy</a:t>
-            </a:r>
-            <a:endParaRPr/>
-          </a:p>
-        </p:txBody>
-      </p:sp>
     </p:spTree>
   </p:cSld>
   <p:clrMapOvr>
